--- a/O3656-2 Deep dive into SharePoint lists for data storage/O3656-2 Deep dive into SharePoint lists for data storage.pptx
+++ b/O3656-2 Deep dive into SharePoint lists for data storage/O3656-2 Deep dive into SharePoint lists for data storage.pptx
@@ -6,44 +6,46 @@
     <p:sldMasterId id="2147484046" r:id="rId5"/>
   </p:sldMasterIdLst>
   <p:notesMasterIdLst>
-    <p:notesMasterId r:id="rId38"/>
+    <p:notesMasterId r:id="rId40"/>
   </p:notesMasterIdLst>
   <p:handoutMasterIdLst>
-    <p:handoutMasterId r:id="rId39"/>
+    <p:handoutMasterId r:id="rId41"/>
   </p:handoutMasterIdLst>
   <p:sldIdLst>
     <p:sldId id="778" r:id="rId6"/>
     <p:sldId id="780" r:id="rId7"/>
     <p:sldId id="789" r:id="rId8"/>
-    <p:sldId id="817" r:id="rId9"/>
-    <p:sldId id="865" r:id="rId10"/>
-    <p:sldId id="867" r:id="rId11"/>
-    <p:sldId id="868" r:id="rId12"/>
-    <p:sldId id="869" r:id="rId13"/>
-    <p:sldId id="861" r:id="rId14"/>
-    <p:sldId id="866" r:id="rId15"/>
-    <p:sldId id="825" r:id="rId16"/>
-    <p:sldId id="826" r:id="rId17"/>
-    <p:sldId id="827" r:id="rId18"/>
-    <p:sldId id="829" r:id="rId19"/>
-    <p:sldId id="830" r:id="rId20"/>
-    <p:sldId id="831" r:id="rId21"/>
-    <p:sldId id="832" r:id="rId22"/>
-    <p:sldId id="833" r:id="rId23"/>
-    <p:sldId id="870" r:id="rId24"/>
-    <p:sldId id="862" r:id="rId25"/>
-    <p:sldId id="837" r:id="rId26"/>
-    <p:sldId id="838" r:id="rId27"/>
-    <p:sldId id="839" r:id="rId28"/>
-    <p:sldId id="840" r:id="rId29"/>
-    <p:sldId id="841" r:id="rId30"/>
-    <p:sldId id="863" r:id="rId31"/>
-    <p:sldId id="873" r:id="rId32"/>
-    <p:sldId id="874" r:id="rId33"/>
-    <p:sldId id="875" r:id="rId34"/>
-    <p:sldId id="876" r:id="rId35"/>
-    <p:sldId id="872" r:id="rId36"/>
-    <p:sldId id="864" r:id="rId37"/>
+    <p:sldId id="877" r:id="rId9"/>
+    <p:sldId id="878" r:id="rId10"/>
+    <p:sldId id="817" r:id="rId11"/>
+    <p:sldId id="865" r:id="rId12"/>
+    <p:sldId id="867" r:id="rId13"/>
+    <p:sldId id="868" r:id="rId14"/>
+    <p:sldId id="869" r:id="rId15"/>
+    <p:sldId id="861" r:id="rId16"/>
+    <p:sldId id="866" r:id="rId17"/>
+    <p:sldId id="825" r:id="rId18"/>
+    <p:sldId id="826" r:id="rId19"/>
+    <p:sldId id="827" r:id="rId20"/>
+    <p:sldId id="829" r:id="rId21"/>
+    <p:sldId id="830" r:id="rId22"/>
+    <p:sldId id="831" r:id="rId23"/>
+    <p:sldId id="832" r:id="rId24"/>
+    <p:sldId id="833" r:id="rId25"/>
+    <p:sldId id="870" r:id="rId26"/>
+    <p:sldId id="862" r:id="rId27"/>
+    <p:sldId id="837" r:id="rId28"/>
+    <p:sldId id="838" r:id="rId29"/>
+    <p:sldId id="839" r:id="rId30"/>
+    <p:sldId id="840" r:id="rId31"/>
+    <p:sldId id="841" r:id="rId32"/>
+    <p:sldId id="863" r:id="rId33"/>
+    <p:sldId id="873" r:id="rId34"/>
+    <p:sldId id="874" r:id="rId35"/>
+    <p:sldId id="875" r:id="rId36"/>
+    <p:sldId id="876" r:id="rId37"/>
+    <p:sldId id="872" r:id="rId38"/>
+    <p:sldId id="864" r:id="rId39"/>
   </p:sldIdLst>
   <p:sldSz cx="12188825" cy="6858000"/>
   <p:notesSz cx="6858000" cy="9144000"/>
@@ -346,7 +348,7 @@
           <a:p>
             <a:fld id="{DE219B1A-AE41-483B-A766-69B9363DDA6A}" type="datetimeFigureOut">
               <a:rPr lang="en-US" smtClean="0"/>
-              <a:t>12/1/2014</a:t>
+              <a:t>12/10/2014</a:t>
             </a:fld>
             <a:endParaRPr lang="en-US"/>
           </a:p>
@@ -628,7 +630,7 @@
           <a:p>
             <a:fld id="{D51B1278-D92B-4AF3-A9C1-71DD298190CE}" type="datetimeFigureOut">
               <a:rPr lang="en-US" smtClean="0"/>
-              <a:t>12/1/2014</a:t>
+              <a:t>12/10/2014</a:t>
             </a:fld>
             <a:endParaRPr lang="en-US"/>
           </a:p>
@@ -1400,7 +1402,7 @@
             <a:fld id="{073E6628-0705-4E34-90AA-D61A964D0AFD}" type="slidenum">
               <a:rPr lang="en-US" smtClean="0"/>
               <a:pPr/>
-              <a:t>22</a:t>
+              <a:t>24</a:t>
             </a:fld>
             <a:endParaRPr lang="en-US" dirty="0"/>
           </a:p>
@@ -1645,7 +1647,7 @@
             <a:fld id="{073E6628-0705-4E34-90AA-D61A964D0AFD}" type="slidenum">
               <a:rPr lang="en-US" smtClean="0"/>
               <a:pPr/>
-              <a:t>23</a:t>
+              <a:t>25</a:t>
             </a:fld>
             <a:endParaRPr lang="en-US" dirty="0"/>
           </a:p>
@@ -1852,7 +1854,7 @@
             <a:fld id="{073E6628-0705-4E34-90AA-D61A964D0AFD}" type="slidenum">
               <a:rPr lang="en-US" smtClean="0"/>
               <a:pPr/>
-              <a:t>24</a:t>
+              <a:t>26</a:t>
             </a:fld>
             <a:endParaRPr lang="en-US" dirty="0"/>
           </a:p>
@@ -2050,7 +2052,7 @@
             <a:fld id="{073E6628-0705-4E34-90AA-D61A964D0AFD}" type="slidenum">
               <a:rPr lang="en-US" smtClean="0"/>
               <a:pPr/>
-              <a:t>25</a:t>
+              <a:t>27</a:t>
             </a:fld>
             <a:endParaRPr lang="en-US" dirty="0"/>
           </a:p>
@@ -2288,7 +2290,7 @@
             <a:fld id="{073E6628-0705-4E34-90AA-D61A964D0AFD}" type="slidenum">
               <a:rPr lang="en-US" smtClean="0"/>
               <a:pPr/>
-              <a:t>27</a:t>
+              <a:t>29</a:t>
             </a:fld>
             <a:endParaRPr lang="en-US" dirty="0"/>
           </a:p>
@@ -2426,7 +2428,7 @@
           <a:p>
             <a:fld id="{B079C3B8-7366-4A44-A34B-3977080C19E7}" type="datetime1">
               <a:rPr lang="en-US" smtClean="0"/>
-              <a:t>12/1/2014</a:t>
+              <a:t>12/10/2014</a:t>
             </a:fld>
             <a:endParaRPr lang="en-US" dirty="0"/>
           </a:p>
@@ -3091,7 +3093,7 @@
             <a:fld id="{073E6628-0705-4E34-90AA-D61A964D0AFD}" type="slidenum">
               <a:rPr lang="en-US" smtClean="0"/>
               <a:pPr/>
-              <a:t>21</a:t>
+              <a:t>23</a:t>
             </a:fld>
             <a:endParaRPr lang="en-US" dirty="0"/>
           </a:p>
@@ -13262,6 +13264,619 @@
       </p:grpSpPr>
       <p:sp>
         <p:nvSpPr>
+          <p:cNvPr id="53" name="Rectangle 52"/>
+          <p:cNvSpPr/>
+          <p:nvPr/>
+        </p:nvSpPr>
+        <p:spPr>
+          <a:xfrm>
+            <a:off x="2707896" y="3581401"/>
+            <a:ext cx="4605717" cy="1680251"/>
+          </a:xfrm>
+          <a:prstGeom prst="rect">
+            <a:avLst/>
+          </a:prstGeom>
+          <a:solidFill>
+            <a:schemeClr val="accent3">
+              <a:lumMod val="20000"/>
+              <a:lumOff val="80000"/>
+            </a:schemeClr>
+          </a:solidFill>
+        </p:spPr>
+        <p:style>
+          <a:lnRef idx="2">
+            <a:schemeClr val="accent1">
+              <a:shade val="50000"/>
+            </a:schemeClr>
+          </a:lnRef>
+          <a:fillRef idx="1">
+            <a:schemeClr val="accent1"/>
+          </a:fillRef>
+          <a:effectRef idx="0">
+            <a:schemeClr val="accent1"/>
+          </a:effectRef>
+          <a:fontRef idx="minor">
+            <a:schemeClr val="lt1"/>
+          </a:fontRef>
+        </p:style>
+        <p:txBody>
+          <a:bodyPr rtlCol="0" anchor="t" anchorCtr="0"/>
+          <a:lstStyle/>
+          <a:p>
+            <a:r>
+              <a:rPr lang="en-US" sz="1400" dirty="0">
+                <a:solidFill>
+                  <a:schemeClr val="tx1"/>
+                </a:solidFill>
+              </a:rPr>
+              <a:t>SharePoint-supplied content types</a:t>
+            </a:r>
+          </a:p>
+        </p:txBody>
+      </p:sp>
+      <p:sp>
+        <p:nvSpPr>
+          <p:cNvPr id="47" name="Rectangle 46"/>
+          <p:cNvSpPr/>
+          <p:nvPr/>
+        </p:nvSpPr>
+        <p:spPr>
+          <a:xfrm>
+            <a:off x="2707896" y="5397453"/>
+            <a:ext cx="4605717" cy="1271763"/>
+          </a:xfrm>
+          <a:prstGeom prst="rect">
+            <a:avLst/>
+          </a:prstGeom>
+          <a:solidFill>
+            <a:schemeClr val="accent5">
+              <a:lumMod val="20000"/>
+              <a:lumOff val="80000"/>
+            </a:schemeClr>
+          </a:solidFill>
+          <a:ln w="6350">
+            <a:solidFill>
+              <a:schemeClr val="tx1"/>
+            </a:solidFill>
+          </a:ln>
+        </p:spPr>
+        <p:style>
+          <a:lnRef idx="2">
+            <a:schemeClr val="accent1">
+              <a:shade val="50000"/>
+            </a:schemeClr>
+          </a:lnRef>
+          <a:fillRef idx="1">
+            <a:schemeClr val="accent1"/>
+          </a:fillRef>
+          <a:effectRef idx="0">
+            <a:schemeClr val="accent1"/>
+          </a:effectRef>
+          <a:fontRef idx="minor">
+            <a:schemeClr val="lt1"/>
+          </a:fontRef>
+        </p:style>
+        <p:txBody>
+          <a:bodyPr rtlCol="0" anchor="b" anchorCtr="0"/>
+          <a:lstStyle/>
+          <a:p>
+            <a:r>
+              <a:rPr lang="en-US" sz="1400" dirty="0">
+                <a:solidFill>
+                  <a:schemeClr val="tx1"/>
+                </a:solidFill>
+              </a:rPr>
+              <a:t>Custom content types</a:t>
+            </a:r>
+          </a:p>
+        </p:txBody>
+      </p:sp>
+      <p:sp>
+        <p:nvSpPr>
+          <p:cNvPr id="2" name="Title 1"/>
+          <p:cNvSpPr>
+            <a:spLocks noGrp="1"/>
+          </p:cNvSpPr>
+          <p:nvPr>
+            <p:ph type="title"/>
+          </p:nvPr>
+        </p:nvSpPr>
+        <p:spPr/>
+        <p:txBody>
+          <a:bodyPr/>
+          <a:lstStyle/>
+          <a:p>
+            <a:r>
+              <a:rPr lang="en-US" smtClean="0"/>
+              <a:t>Creating Custom Content Types</a:t>
+            </a:r>
+            <a:endParaRPr lang="en-US" dirty="0"/>
+          </a:p>
+        </p:txBody>
+      </p:sp>
+      <p:sp>
+        <p:nvSpPr>
+          <p:cNvPr id="24" name="Content Placeholder 23"/>
+          <p:cNvSpPr>
+            <a:spLocks noGrp="1"/>
+          </p:cNvSpPr>
+          <p:nvPr>
+            <p:ph idx="1"/>
+          </p:nvPr>
+        </p:nvSpPr>
+        <p:spPr/>
+        <p:txBody>
+          <a:bodyPr>
+            <a:normAutofit/>
+          </a:bodyPr>
+          <a:lstStyle/>
+          <a:p>
+            <a:r>
+              <a:rPr lang="en-US" sz="2400" dirty="0"/>
+              <a:t>Creating a custom content type</a:t>
+            </a:r>
+          </a:p>
+          <a:p>
+            <a:pPr lvl="1"/>
+            <a:r>
+              <a:rPr lang="en-US" sz="2000" dirty="0"/>
+              <a:t>Select a content type name</a:t>
+            </a:r>
+          </a:p>
+          <a:p>
+            <a:pPr lvl="1"/>
+            <a:r>
+              <a:rPr lang="en-US" sz="2000" dirty="0"/>
+              <a:t>Select a parent content type to inherit from</a:t>
+            </a:r>
+          </a:p>
+          <a:p>
+            <a:pPr lvl="1"/>
+            <a:r>
+              <a:rPr lang="en-US" sz="2000" dirty="0"/>
+              <a:t>Add whatever site columns are required</a:t>
+            </a:r>
+          </a:p>
+          <a:p>
+            <a:pPr lvl="1"/>
+            <a:r>
+              <a:rPr lang="en-US" sz="2000" dirty="0"/>
+              <a:t>Configure content type settings</a:t>
+            </a:r>
+          </a:p>
+          <a:p>
+            <a:pPr lvl="1"/>
+            <a:endParaRPr lang="en-US" sz="2000" dirty="0"/>
+          </a:p>
+        </p:txBody>
+      </p:sp>
+      <p:sp>
+        <p:nvSpPr>
+          <p:cNvPr id="4" name="Rectangle 3"/>
+          <p:cNvSpPr/>
+          <p:nvPr/>
+        </p:nvSpPr>
+        <p:spPr>
+          <a:xfrm>
+            <a:off x="2941399" y="3978793"/>
+            <a:ext cx="1936061" cy="363415"/>
+          </a:xfrm>
+          <a:prstGeom prst="rect">
+            <a:avLst/>
+          </a:prstGeom>
+          <a:solidFill>
+            <a:schemeClr val="bg1">
+              <a:lumMod val="95000"/>
+            </a:schemeClr>
+          </a:solidFill>
+          <a:ln w="6350">
+            <a:solidFill>
+              <a:schemeClr val="tx1"/>
+            </a:solidFill>
+          </a:ln>
+        </p:spPr>
+        <p:style>
+          <a:lnRef idx="2">
+            <a:schemeClr val="accent1">
+              <a:shade val="50000"/>
+            </a:schemeClr>
+          </a:lnRef>
+          <a:fillRef idx="1">
+            <a:schemeClr val="accent1"/>
+          </a:fillRef>
+          <a:effectRef idx="0">
+            <a:schemeClr val="accent1"/>
+          </a:effectRef>
+          <a:fontRef idx="minor">
+            <a:schemeClr val="lt1"/>
+          </a:fontRef>
+        </p:style>
+        <p:txBody>
+          <a:bodyPr rtlCol="0" anchor="ctr"/>
+          <a:lstStyle/>
+          <a:p>
+            <a:pPr algn="ctr"/>
+            <a:r>
+              <a:rPr lang="en-US" sz="1200" b="1" dirty="0">
+                <a:solidFill>
+                  <a:schemeClr val="tx1"/>
+                </a:solidFill>
+              </a:rPr>
+              <a:t>Item</a:t>
+            </a:r>
+          </a:p>
+        </p:txBody>
+      </p:sp>
+      <p:cxnSp>
+        <p:nvCxnSpPr>
+          <p:cNvPr id="6" name="Straight Connector 5"/>
+          <p:cNvCxnSpPr>
+            <a:stCxn id="4" idx="2"/>
+          </p:cNvCxnSpPr>
+          <p:nvPr/>
+        </p:nvCxnSpPr>
+        <p:spPr>
+          <a:xfrm>
+            <a:off x="3909429" y="4342208"/>
+            <a:ext cx="0" cy="1388125"/>
+          </a:xfrm>
+          <a:prstGeom prst="line">
+            <a:avLst/>
+          </a:prstGeom>
+          <a:ln w="38100">
+            <a:headEnd type="none" w="med" len="med"/>
+            <a:tailEnd type="triangle" w="med" len="med"/>
+          </a:ln>
+        </p:spPr>
+        <p:style>
+          <a:lnRef idx="1">
+            <a:schemeClr val="accent1"/>
+          </a:lnRef>
+          <a:fillRef idx="0">
+            <a:schemeClr val="accent1"/>
+          </a:fillRef>
+          <a:effectRef idx="0">
+            <a:schemeClr val="accent1"/>
+          </a:effectRef>
+          <a:fontRef idx="minor">
+            <a:schemeClr val="tx1"/>
+          </a:fontRef>
+        </p:style>
+      </p:cxnSp>
+      <p:cxnSp>
+        <p:nvCxnSpPr>
+          <p:cNvPr id="22" name="Straight Arrow Connector 21"/>
+          <p:cNvCxnSpPr>
+            <a:endCxn id="21" idx="1"/>
+          </p:cNvCxnSpPr>
+          <p:nvPr/>
+        </p:nvCxnSpPr>
+        <p:spPr>
+          <a:xfrm>
+            <a:off x="3887982" y="4698671"/>
+            <a:ext cx="1292030" cy="3320"/>
+          </a:xfrm>
+          <a:prstGeom prst="straightConnector1">
+            <a:avLst/>
+          </a:prstGeom>
+          <a:ln w="38100">
+            <a:tailEnd type="triangle"/>
+          </a:ln>
+        </p:spPr>
+        <p:style>
+          <a:lnRef idx="1">
+            <a:schemeClr val="accent1"/>
+          </a:lnRef>
+          <a:fillRef idx="0">
+            <a:schemeClr val="accent1"/>
+          </a:fillRef>
+          <a:effectRef idx="0">
+            <a:schemeClr val="accent1"/>
+          </a:effectRef>
+          <a:fontRef idx="minor">
+            <a:schemeClr val="tx1"/>
+          </a:fontRef>
+        </p:style>
+      </p:cxnSp>
+      <p:sp>
+        <p:nvSpPr>
+          <p:cNvPr id="33" name="Rectangle 32"/>
+          <p:cNvSpPr/>
+          <p:nvPr/>
+        </p:nvSpPr>
+        <p:spPr>
+          <a:xfrm>
+            <a:off x="2941398" y="5730332"/>
+            <a:ext cx="1936061" cy="363415"/>
+          </a:xfrm>
+          <a:prstGeom prst="rect">
+            <a:avLst/>
+          </a:prstGeom>
+          <a:solidFill>
+            <a:schemeClr val="bg1">
+              <a:lumMod val="75000"/>
+            </a:schemeClr>
+          </a:solidFill>
+          <a:ln w="6350">
+            <a:solidFill>
+              <a:schemeClr val="tx1"/>
+            </a:solidFill>
+          </a:ln>
+        </p:spPr>
+        <p:style>
+          <a:lnRef idx="2">
+            <a:schemeClr val="accent1">
+              <a:shade val="50000"/>
+            </a:schemeClr>
+          </a:lnRef>
+          <a:fillRef idx="1">
+            <a:schemeClr val="accent1"/>
+          </a:fillRef>
+          <a:effectRef idx="0">
+            <a:schemeClr val="accent1"/>
+          </a:effectRef>
+          <a:fontRef idx="minor">
+            <a:schemeClr val="lt1"/>
+          </a:fontRef>
+        </p:style>
+        <p:txBody>
+          <a:bodyPr rtlCol="0" anchor="ctr"/>
+          <a:lstStyle/>
+          <a:p>
+            <a:pPr algn="ctr"/>
+            <a:r>
+              <a:rPr lang="en-US" sz="1200" b="1" dirty="0">
+                <a:solidFill>
+                  <a:schemeClr val="tx1"/>
+                </a:solidFill>
+              </a:rPr>
+              <a:t>Book</a:t>
+            </a:r>
+          </a:p>
+        </p:txBody>
+      </p:sp>
+      <p:sp>
+        <p:nvSpPr>
+          <p:cNvPr id="58" name="Rectangle 57"/>
+          <p:cNvSpPr/>
+          <p:nvPr/>
+        </p:nvSpPr>
+        <p:spPr>
+          <a:xfrm>
+            <a:off x="5180013" y="5730332"/>
+            <a:ext cx="1936061" cy="363415"/>
+          </a:xfrm>
+          <a:prstGeom prst="rect">
+            <a:avLst/>
+          </a:prstGeom>
+          <a:solidFill>
+            <a:schemeClr val="bg1">
+              <a:lumMod val="75000"/>
+            </a:schemeClr>
+          </a:solidFill>
+          <a:ln w="6350">
+            <a:solidFill>
+              <a:schemeClr val="tx1"/>
+            </a:solidFill>
+          </a:ln>
+        </p:spPr>
+        <p:style>
+          <a:lnRef idx="2">
+            <a:schemeClr val="accent1">
+              <a:shade val="50000"/>
+            </a:schemeClr>
+          </a:lnRef>
+          <a:fillRef idx="1">
+            <a:schemeClr val="accent1"/>
+          </a:fillRef>
+          <a:effectRef idx="0">
+            <a:schemeClr val="accent1"/>
+          </a:effectRef>
+          <a:fontRef idx="minor">
+            <a:schemeClr val="lt1"/>
+          </a:fontRef>
+        </p:style>
+        <p:txBody>
+          <a:bodyPr rtlCol="0" anchor="ctr"/>
+          <a:lstStyle/>
+          <a:p>
+            <a:pPr algn="ctr"/>
+            <a:r>
+              <a:rPr lang="en-US" sz="1200" b="1" dirty="0">
+                <a:solidFill>
+                  <a:schemeClr val="tx1"/>
+                </a:solidFill>
+              </a:rPr>
+              <a:t>Book Cover Image</a:t>
+            </a:r>
+          </a:p>
+        </p:txBody>
+      </p:sp>
+      <p:sp>
+        <p:nvSpPr>
+          <p:cNvPr id="21" name="Rectangle 20"/>
+          <p:cNvSpPr/>
+          <p:nvPr/>
+        </p:nvSpPr>
+        <p:spPr>
+          <a:xfrm>
+            <a:off x="5180013" y="4520284"/>
+            <a:ext cx="1936061" cy="363415"/>
+          </a:xfrm>
+          <a:prstGeom prst="rect">
+            <a:avLst/>
+          </a:prstGeom>
+          <a:solidFill>
+            <a:schemeClr val="bg1">
+              <a:lumMod val="95000"/>
+            </a:schemeClr>
+          </a:solidFill>
+          <a:ln w="6350">
+            <a:solidFill>
+              <a:schemeClr val="tx1"/>
+            </a:solidFill>
+          </a:ln>
+        </p:spPr>
+        <p:style>
+          <a:lnRef idx="2">
+            <a:schemeClr val="accent1">
+              <a:shade val="50000"/>
+            </a:schemeClr>
+          </a:lnRef>
+          <a:fillRef idx="1">
+            <a:schemeClr val="accent1"/>
+          </a:fillRef>
+          <a:effectRef idx="0">
+            <a:schemeClr val="accent1"/>
+          </a:effectRef>
+          <a:fontRef idx="minor">
+            <a:schemeClr val="lt1"/>
+          </a:fontRef>
+        </p:style>
+        <p:txBody>
+          <a:bodyPr rtlCol="0" anchor="ctr"/>
+          <a:lstStyle/>
+          <a:p>
+            <a:pPr algn="ctr"/>
+            <a:r>
+              <a:rPr lang="en-US" sz="1200" b="1" dirty="0">
+                <a:solidFill>
+                  <a:schemeClr val="tx1"/>
+                </a:solidFill>
+              </a:rPr>
+              <a:t>Document</a:t>
+            </a:r>
+          </a:p>
+        </p:txBody>
+      </p:sp>
+      <p:cxnSp>
+        <p:nvCxnSpPr>
+          <p:cNvPr id="35" name="Straight Connector 34"/>
+          <p:cNvCxnSpPr/>
+          <p:nvPr/>
+        </p:nvCxnSpPr>
+        <p:spPr>
+          <a:xfrm flipH="1">
+            <a:off x="6151054" y="4880379"/>
+            <a:ext cx="1" cy="849952"/>
+          </a:xfrm>
+          <a:prstGeom prst="line">
+            <a:avLst/>
+          </a:prstGeom>
+          <a:ln w="38100">
+            <a:headEnd type="none" w="med" len="med"/>
+            <a:tailEnd type="triangle" w="med" len="med"/>
+          </a:ln>
+        </p:spPr>
+        <p:style>
+          <a:lnRef idx="1">
+            <a:schemeClr val="accent1"/>
+          </a:lnRef>
+          <a:fillRef idx="0">
+            <a:schemeClr val="accent1"/>
+          </a:fillRef>
+          <a:effectRef idx="0">
+            <a:schemeClr val="accent1"/>
+          </a:effectRef>
+          <a:fontRef idx="minor">
+            <a:schemeClr val="tx1"/>
+          </a:fontRef>
+        </p:style>
+      </p:cxnSp>
+    </p:spTree>
+    <p:extLst>
+      <p:ext uri="{BB962C8B-B14F-4D97-AF65-F5344CB8AC3E}">
+        <p14:creationId xmlns:p14="http://schemas.microsoft.com/office/powerpoint/2010/main" val="2623176174"/>
+      </p:ext>
+    </p:extLst>
+  </p:cSld>
+  <p:clrMapOvr>
+    <a:masterClrMapping/>
+  </p:clrMapOvr>
+  <p:timing>
+    <p:tnLst>
+      <p:par>
+        <p:cTn id="1" dur="indefinite" restart="never" nodeType="tmRoot"/>
+      </p:par>
+    </p:tnLst>
+  </p:timing>
+</p:sld>
+</file>
+
+<file path=ppt/slides/slide11.xml><?xml version="1.0" encoding="utf-8"?>
+<p:sld xmlns:a="http://schemas.openxmlformats.org/drawingml/2006/main" xmlns:r="http://schemas.openxmlformats.org/officeDocument/2006/relationships" xmlns:p="http://schemas.openxmlformats.org/presentationml/2006/main">
+  <p:cSld>
+    <p:spTree>
+      <p:nvGrpSpPr>
+        <p:cNvPr id="1" name=""/>
+        <p:cNvGrpSpPr/>
+        <p:nvPr/>
+      </p:nvGrpSpPr>
+      <p:grpSpPr>
+        <a:xfrm>
+          <a:off x="0" y="0"/>
+          <a:ext cx="0" cy="0"/>
+          <a:chOff x="0" y="0"/>
+          <a:chExt cx="0" cy="0"/>
+        </a:xfrm>
+      </p:grpSpPr>
+      <p:sp>
+        <p:nvSpPr>
+          <p:cNvPr id="2" name="Title 1"/>
+          <p:cNvSpPr>
+            <a:spLocks noGrp="1"/>
+          </p:cNvSpPr>
+          <p:nvPr>
+            <p:ph type="title"/>
+          </p:nvPr>
+        </p:nvSpPr>
+        <p:spPr/>
+        <p:txBody>
+          <a:bodyPr/>
+          <a:lstStyle/>
+          <a:p>
+            <a:r>
+              <a:rPr lang="en-US" dirty="0"/>
+              <a:t>Creating Custom Lists using XML</a:t>
+            </a:r>
+          </a:p>
+        </p:txBody>
+      </p:sp>
+    </p:spTree>
+    <p:extLst>
+      <p:ext uri="{BB962C8B-B14F-4D97-AF65-F5344CB8AC3E}">
+        <p14:creationId xmlns:p14="http://schemas.microsoft.com/office/powerpoint/2010/main" val="385903215"/>
+      </p:ext>
+    </p:extLst>
+  </p:cSld>
+  <p:clrMapOvr>
+    <a:masterClrMapping/>
+  </p:clrMapOvr>
+  <p:transition>
+    <p:fade/>
+  </p:transition>
+</p:sld>
+</file>
+
+<file path=ppt/slides/slide12.xml><?xml version="1.0" encoding="utf-8"?>
+<p:sld xmlns:a="http://schemas.openxmlformats.org/drawingml/2006/main" xmlns:r="http://schemas.openxmlformats.org/officeDocument/2006/relationships" xmlns:p="http://schemas.openxmlformats.org/presentationml/2006/main">
+  <p:cSld>
+    <p:spTree>
+      <p:nvGrpSpPr>
+        <p:cNvPr id="1" name=""/>
+        <p:cNvGrpSpPr/>
+        <p:nvPr/>
+      </p:nvGrpSpPr>
+      <p:grpSpPr>
+        <a:xfrm>
+          <a:off x="0" y="0"/>
+          <a:ext cx="0" cy="0"/>
+          <a:chOff x="0" y="0"/>
+          <a:chExt cx="0" cy="0"/>
+        </a:xfrm>
+      </p:grpSpPr>
+      <p:sp>
+        <p:nvSpPr>
           <p:cNvPr id="2" name="Title 1"/>
           <p:cNvSpPr>
             <a:spLocks noGrp="1"/>
@@ -13356,7 +13971,7 @@
 </p:sld>
 </file>
 
-<file path=ppt/slides/slide11.xml><?xml version="1.0" encoding="utf-8"?>
+<file path=ppt/slides/slide13.xml><?xml version="1.0" encoding="utf-8"?>
 <p:sld xmlns:a="http://schemas.openxmlformats.org/drawingml/2006/main" xmlns:r="http://schemas.openxmlformats.org/officeDocument/2006/relationships" xmlns:p="http://schemas.openxmlformats.org/presentationml/2006/main">
   <p:cSld>
     <p:spTree>
@@ -13477,7 +14092,7 @@
 </p:sld>
 </file>
 
-<file path=ppt/slides/slide12.xml><?xml version="1.0" encoding="utf-8"?>
+<file path=ppt/slides/slide14.xml><?xml version="1.0" encoding="utf-8"?>
 <p:sld xmlns:a="http://schemas.openxmlformats.org/drawingml/2006/main" xmlns:r="http://schemas.openxmlformats.org/officeDocument/2006/relationships" xmlns:p="http://schemas.openxmlformats.org/presentationml/2006/main">
   <p:cSld>
     <p:spTree>
@@ -13644,7 +14259,7 @@
 </p:sld>
 </file>
 
-<file path=ppt/slides/slide13.xml><?xml version="1.0" encoding="utf-8"?>
+<file path=ppt/slides/slide15.xml><?xml version="1.0" encoding="utf-8"?>
 <p:sld xmlns:a="http://schemas.openxmlformats.org/drawingml/2006/main" xmlns:r="http://schemas.openxmlformats.org/officeDocument/2006/relationships" xmlns:p="http://schemas.openxmlformats.org/presentationml/2006/main">
   <p:cSld>
     <p:spTree>
@@ -13841,7 +14456,7 @@
 </p:sld>
 </file>
 
-<file path=ppt/slides/slide14.xml><?xml version="1.0" encoding="utf-8"?>
+<file path=ppt/slides/slide16.xml><?xml version="1.0" encoding="utf-8"?>
 <p:sld xmlns:a="http://schemas.openxmlformats.org/drawingml/2006/main" xmlns:r="http://schemas.openxmlformats.org/officeDocument/2006/relationships" xmlns:p="http://schemas.openxmlformats.org/presentationml/2006/main">
   <p:cSld>
     <p:spTree>
@@ -14111,7 +14726,7 @@
 </p:sld>
 </file>
 
-<file path=ppt/slides/slide15.xml><?xml version="1.0" encoding="utf-8"?>
+<file path=ppt/slides/slide17.xml><?xml version="1.0" encoding="utf-8"?>
 <p:sld xmlns:a="http://schemas.openxmlformats.org/drawingml/2006/main" xmlns:r="http://schemas.openxmlformats.org/officeDocument/2006/relationships" xmlns:p="http://schemas.openxmlformats.org/presentationml/2006/main">
   <p:cSld>
     <p:spTree>
@@ -14326,7 +14941,7 @@
 </p:sld>
 </file>
 
-<file path=ppt/slides/slide16.xml><?xml version="1.0" encoding="utf-8"?>
+<file path=ppt/slides/slide18.xml><?xml version="1.0" encoding="utf-8"?>
 <p:sld xmlns:a="http://schemas.openxmlformats.org/drawingml/2006/main" xmlns:r="http://schemas.openxmlformats.org/officeDocument/2006/relationships" xmlns:p="http://schemas.openxmlformats.org/presentationml/2006/main">
   <p:cSld>
     <p:spTree>
@@ -14527,7 +15142,7 @@
 </p:sld>
 </file>
 
-<file path=ppt/slides/slide17.xml><?xml version="1.0" encoding="utf-8"?>
+<file path=ppt/slides/slide19.xml><?xml version="1.0" encoding="utf-8"?>
 <p:sld xmlns:a="http://schemas.openxmlformats.org/drawingml/2006/main" xmlns:r="http://schemas.openxmlformats.org/officeDocument/2006/relationships" xmlns:p="http://schemas.openxmlformats.org/presentationml/2006/main">
   <p:cSld>
     <p:spTree>
@@ -15056,222 +15671,6 @@
 </p:sld>
 </file>
 
-<file path=ppt/slides/slide18.xml><?xml version="1.0" encoding="utf-8"?>
-<p:sld xmlns:a="http://schemas.openxmlformats.org/drawingml/2006/main" xmlns:r="http://schemas.openxmlformats.org/officeDocument/2006/relationships" xmlns:p="http://schemas.openxmlformats.org/presentationml/2006/main">
-  <p:cSld>
-    <p:spTree>
-      <p:nvGrpSpPr>
-        <p:cNvPr id="1" name=""/>
-        <p:cNvGrpSpPr/>
-        <p:nvPr/>
-      </p:nvGrpSpPr>
-      <p:grpSpPr>
-        <a:xfrm>
-          <a:off x="0" y="0"/>
-          <a:ext cx="0" cy="0"/>
-          <a:chOff x="0" y="0"/>
-          <a:chExt cx="0" cy="0"/>
-        </a:xfrm>
-      </p:grpSpPr>
-      <p:sp>
-        <p:nvSpPr>
-          <p:cNvPr id="2" name="Title 1"/>
-          <p:cNvSpPr>
-            <a:spLocks noGrp="1"/>
-          </p:cNvSpPr>
-          <p:nvPr>
-            <p:ph type="title"/>
-          </p:nvPr>
-        </p:nvSpPr>
-        <p:spPr/>
-        <p:txBody>
-          <a:bodyPr/>
-          <a:lstStyle/>
-          <a:p>
-            <a:r>
-              <a:rPr lang="en-US" dirty="0" smtClean="0"/>
-              <a:t>Visual Studio List Designer</a:t>
-            </a:r>
-            <a:endParaRPr lang="en-US" dirty="0"/>
-          </a:p>
-        </p:txBody>
-      </p:sp>
-      <p:sp>
-        <p:nvSpPr>
-          <p:cNvPr id="3" name="Content Placeholder 2"/>
-          <p:cNvSpPr>
-            <a:spLocks noGrp="1"/>
-          </p:cNvSpPr>
-          <p:nvPr>
-            <p:ph idx="1"/>
-          </p:nvPr>
-        </p:nvSpPr>
-        <p:spPr>
-          <a:xfrm>
-            <a:off x="1881640" y="1447800"/>
-            <a:ext cx="8382000" cy="5181600"/>
-          </a:xfrm>
-        </p:spPr>
-        <p:txBody>
-          <a:bodyPr>
-            <a:normAutofit/>
-          </a:bodyPr>
-          <a:lstStyle/>
-          <a:p>
-            <a:r>
-              <a:rPr lang="en-US" sz="2400" dirty="0"/>
-              <a:t>List Designer abstracts away XML in Schema.xml</a:t>
-            </a:r>
-          </a:p>
-          <a:p>
-            <a:pPr lvl="1"/>
-            <a:r>
-              <a:rPr lang="en-US" sz="2000" dirty="0"/>
-              <a:t>Used to add columns and content type support</a:t>
-            </a:r>
-          </a:p>
-          <a:p>
-            <a:pPr lvl="1"/>
-            <a:r>
-              <a:rPr lang="en-US" sz="2000" dirty="0"/>
-              <a:t>Used configure list properties and add/modify views</a:t>
-            </a:r>
-          </a:p>
-        </p:txBody>
-      </p:sp>
-      <p:pic>
-        <p:nvPicPr>
-          <p:cNvPr id="5" name="Picture 4"/>
-          <p:cNvPicPr>
-            <a:picLocks noChangeAspect="1"/>
-          </p:cNvPicPr>
-          <p:nvPr/>
-        </p:nvPicPr>
-        <p:blipFill>
-          <a:blip r:embed="rId2"/>
-          <a:stretch>
-            <a:fillRect/>
-          </a:stretch>
-        </p:blipFill>
-        <p:spPr>
-          <a:xfrm>
-            <a:off x="3198812" y="2971801"/>
-            <a:ext cx="5943600" cy="3778713"/>
-          </a:xfrm>
-          <a:prstGeom prst="rect">
-            <a:avLst/>
-          </a:prstGeom>
-          <a:ln>
-            <a:solidFill>
-              <a:schemeClr val="bg1">
-                <a:lumMod val="50000"/>
-              </a:schemeClr>
-            </a:solidFill>
-          </a:ln>
-        </p:spPr>
-      </p:pic>
-    </p:spTree>
-    <p:extLst>
-      <p:ext uri="{BB962C8B-B14F-4D97-AF65-F5344CB8AC3E}">
-        <p14:creationId xmlns:p14="http://schemas.microsoft.com/office/powerpoint/2010/main" val="363619024"/>
-      </p:ext>
-    </p:extLst>
-  </p:cSld>
-  <p:clrMapOvr>
-    <a:masterClrMapping/>
-  </p:clrMapOvr>
-</p:sld>
-</file>
-
-<file path=ppt/slides/slide19.xml><?xml version="1.0" encoding="utf-8"?>
-<p:sld xmlns:a="http://schemas.openxmlformats.org/drawingml/2006/main" xmlns:r="http://schemas.openxmlformats.org/officeDocument/2006/relationships" xmlns:p="http://schemas.openxmlformats.org/presentationml/2006/main">
-  <p:cSld>
-    <p:spTree>
-      <p:nvGrpSpPr>
-        <p:cNvPr id="1" name=""/>
-        <p:cNvGrpSpPr/>
-        <p:nvPr/>
-      </p:nvGrpSpPr>
-      <p:grpSpPr>
-        <a:xfrm>
-          <a:off x="0" y="0"/>
-          <a:ext cx="0" cy="0"/>
-          <a:chOff x="0" y="0"/>
-          <a:chExt cx="0" cy="0"/>
-        </a:xfrm>
-      </p:grpSpPr>
-      <p:sp>
-        <p:nvSpPr>
-          <p:cNvPr id="4" name="Subtitle 3"/>
-          <p:cNvSpPr>
-            <a:spLocks noGrp="1"/>
-          </p:cNvSpPr>
-          <p:nvPr>
-            <p:ph type="subTitle" idx="1"/>
-          </p:nvPr>
-        </p:nvSpPr>
-        <p:spPr/>
-        <p:txBody>
-          <a:bodyPr/>
-          <a:lstStyle/>
-          <a:p>
-            <a:r>
-              <a:rPr lang="en-US" dirty="0" smtClean="0"/>
-              <a:t>Creating site columns, content types and lists using XML</a:t>
-            </a:r>
-            <a:endParaRPr lang="en-US" dirty="0"/>
-          </a:p>
-        </p:txBody>
-      </p:sp>
-      <p:sp>
-        <p:nvSpPr>
-          <p:cNvPr id="2" name="Text Placeholder 1"/>
-          <p:cNvSpPr>
-            <a:spLocks noGrp="1"/>
-          </p:cNvSpPr>
-          <p:nvPr>
-            <p:ph type="body" sz="quarter" idx="10"/>
-          </p:nvPr>
-        </p:nvSpPr>
-        <p:spPr/>
-        <p:txBody>
-          <a:bodyPr/>
-          <a:lstStyle/>
-          <a:p>
-            <a:pPr marL="0" indent="0">
-              <a:buNone/>
-            </a:pPr>
-            <a:r>
-              <a:rPr lang="en-US" dirty="0" smtClean="0"/>
-              <a:t>demo</a:t>
-            </a:r>
-            <a:endParaRPr lang="en-US" dirty="0"/>
-          </a:p>
-        </p:txBody>
-      </p:sp>
-    </p:spTree>
-    <p:extLst>
-      <p:ext uri="{BB962C8B-B14F-4D97-AF65-F5344CB8AC3E}">
-        <p14:creationId xmlns:p14="http://schemas.microsoft.com/office/powerpoint/2010/main" val="2588879930"/>
-      </p:ext>
-    </p:extLst>
-  </p:cSld>
-  <p:clrMapOvr>
-    <a:masterClrMapping/>
-  </p:clrMapOvr>
-  <p:transition>
-    <p:fade/>
-  </p:transition>
-  <p:timing>
-    <p:tnLst>
-      <p:par>
-        <p:cTn id="1" dur="indefinite" restart="never" nodeType="tmRoot"/>
-      </p:par>
-    </p:tnLst>
-  </p:timing>
-</p:sld>
-</file>
-
 <file path=ppt/slides/slide2.xml><?xml version="1.0" encoding="utf-8"?>
 <p:sld xmlns:a="http://schemas.openxmlformats.org/drawingml/2006/main" xmlns:r="http://schemas.openxmlformats.org/officeDocument/2006/relationships" xmlns:p="http://schemas.openxmlformats.org/presentationml/2006/main">
   <p:cSld>
@@ -15408,16 +15807,170 @@
           <a:lstStyle/>
           <a:p>
             <a:r>
-              <a:rPr lang="en-US" dirty="0"/>
-              <a:t>Updating Site Columns and Content Types</a:t>
-            </a:r>
+              <a:rPr lang="en-US" dirty="0" smtClean="0"/>
+              <a:t>Visual Studio List Designer</a:t>
+            </a:r>
+            <a:endParaRPr lang="en-US" dirty="0"/>
+          </a:p>
+        </p:txBody>
+      </p:sp>
+      <p:sp>
+        <p:nvSpPr>
+          <p:cNvPr id="3" name="Content Placeholder 2"/>
+          <p:cNvSpPr>
+            <a:spLocks noGrp="1"/>
+          </p:cNvSpPr>
+          <p:nvPr>
+            <p:ph idx="1"/>
+          </p:nvPr>
+        </p:nvSpPr>
+        <p:spPr>
+          <a:xfrm>
+            <a:off x="1881640" y="1447800"/>
+            <a:ext cx="8382000" cy="5181600"/>
+          </a:xfrm>
+        </p:spPr>
+        <p:txBody>
+          <a:bodyPr>
+            <a:normAutofit/>
+          </a:bodyPr>
+          <a:lstStyle/>
+          <a:p>
+            <a:r>
+              <a:rPr lang="en-US" sz="2400" dirty="0"/>
+              <a:t>List Designer abstracts away XML in Schema.xml</a:t>
+            </a:r>
+          </a:p>
+          <a:p>
+            <a:pPr lvl="1"/>
+            <a:r>
+              <a:rPr lang="en-US" sz="2000" dirty="0"/>
+              <a:t>Used to add columns and content type support</a:t>
+            </a:r>
+          </a:p>
+          <a:p>
+            <a:pPr lvl="1"/>
+            <a:r>
+              <a:rPr lang="en-US" sz="2000" dirty="0"/>
+              <a:t>Used configure list properties and add/modify views</a:t>
+            </a:r>
+          </a:p>
+        </p:txBody>
+      </p:sp>
+      <p:pic>
+        <p:nvPicPr>
+          <p:cNvPr id="5" name="Picture 4"/>
+          <p:cNvPicPr>
+            <a:picLocks noChangeAspect="1"/>
+          </p:cNvPicPr>
+          <p:nvPr/>
+        </p:nvPicPr>
+        <p:blipFill>
+          <a:blip r:embed="rId2"/>
+          <a:stretch>
+            <a:fillRect/>
+          </a:stretch>
+        </p:blipFill>
+        <p:spPr>
+          <a:xfrm>
+            <a:off x="3198812" y="2971801"/>
+            <a:ext cx="5943600" cy="3778713"/>
+          </a:xfrm>
+          <a:prstGeom prst="rect">
+            <a:avLst/>
+          </a:prstGeom>
+          <a:ln>
+            <a:solidFill>
+              <a:schemeClr val="bg1">
+                <a:lumMod val="50000"/>
+              </a:schemeClr>
+            </a:solidFill>
+          </a:ln>
+        </p:spPr>
+      </p:pic>
+    </p:spTree>
+    <p:extLst>
+      <p:ext uri="{BB962C8B-B14F-4D97-AF65-F5344CB8AC3E}">
+        <p14:creationId xmlns:p14="http://schemas.microsoft.com/office/powerpoint/2010/main" val="363619024"/>
+      </p:ext>
+    </p:extLst>
+  </p:cSld>
+  <p:clrMapOvr>
+    <a:masterClrMapping/>
+  </p:clrMapOvr>
+</p:sld>
+</file>
+
+<file path=ppt/slides/slide21.xml><?xml version="1.0" encoding="utf-8"?>
+<p:sld xmlns:a="http://schemas.openxmlformats.org/drawingml/2006/main" xmlns:r="http://schemas.openxmlformats.org/officeDocument/2006/relationships" xmlns:p="http://schemas.openxmlformats.org/presentationml/2006/main">
+  <p:cSld>
+    <p:spTree>
+      <p:nvGrpSpPr>
+        <p:cNvPr id="1" name=""/>
+        <p:cNvGrpSpPr/>
+        <p:nvPr/>
+      </p:nvGrpSpPr>
+      <p:grpSpPr>
+        <a:xfrm>
+          <a:off x="0" y="0"/>
+          <a:ext cx="0" cy="0"/>
+          <a:chOff x="0" y="0"/>
+          <a:chExt cx="0" cy="0"/>
+        </a:xfrm>
+      </p:grpSpPr>
+      <p:sp>
+        <p:nvSpPr>
+          <p:cNvPr id="4" name="Subtitle 3"/>
+          <p:cNvSpPr>
+            <a:spLocks noGrp="1"/>
+          </p:cNvSpPr>
+          <p:nvPr>
+            <p:ph type="subTitle" idx="1"/>
+          </p:nvPr>
+        </p:nvSpPr>
+        <p:spPr/>
+        <p:txBody>
+          <a:bodyPr/>
+          <a:lstStyle/>
+          <a:p>
+            <a:r>
+              <a:rPr lang="en-US" dirty="0" smtClean="0"/>
+              <a:t>Creating site columns, content types and lists using XML</a:t>
+            </a:r>
+            <a:endParaRPr lang="en-US" dirty="0"/>
+          </a:p>
+        </p:txBody>
+      </p:sp>
+      <p:sp>
+        <p:nvSpPr>
+          <p:cNvPr id="2" name="Text Placeholder 1"/>
+          <p:cNvSpPr>
+            <a:spLocks noGrp="1"/>
+          </p:cNvSpPr>
+          <p:nvPr>
+            <p:ph type="body" sz="quarter" idx="10"/>
+          </p:nvPr>
+        </p:nvSpPr>
+        <p:spPr/>
+        <p:txBody>
+          <a:bodyPr/>
+          <a:lstStyle/>
+          <a:p>
+            <a:pPr marL="0" indent="0">
+              <a:buNone/>
+            </a:pPr>
+            <a:r>
+              <a:rPr lang="en-US" dirty="0" smtClean="0"/>
+              <a:t>demo</a:t>
+            </a:r>
+            <a:endParaRPr lang="en-US" dirty="0"/>
           </a:p>
         </p:txBody>
       </p:sp>
     </p:spTree>
     <p:extLst>
       <p:ext uri="{BB962C8B-B14F-4D97-AF65-F5344CB8AC3E}">
-        <p14:creationId xmlns:p14="http://schemas.microsoft.com/office/powerpoint/2010/main" val="1261112044"/>
+        <p14:creationId xmlns:p14="http://schemas.microsoft.com/office/powerpoint/2010/main" val="2588879930"/>
       </p:ext>
     </p:extLst>
   </p:cSld>
@@ -15427,10 +15980,17 @@
   <p:transition>
     <p:fade/>
   </p:transition>
+  <p:timing>
+    <p:tnLst>
+      <p:par>
+        <p:cTn id="1" dur="indefinite" restart="never" nodeType="tmRoot"/>
+      </p:par>
+    </p:tnLst>
+  </p:timing>
 </p:sld>
 </file>
 
-<file path=ppt/slides/slide21.xml><?xml version="1.0" encoding="utf-8"?>
+<file path=ppt/slides/slide22.xml><?xml version="1.0" encoding="utf-8"?>
 <p:sld xmlns:a="http://schemas.openxmlformats.org/drawingml/2006/main" xmlns:r="http://schemas.openxmlformats.org/officeDocument/2006/relationships" xmlns:p="http://schemas.openxmlformats.org/presentationml/2006/main">
   <p:cSld>
     <p:spTree>
@@ -15463,6 +16023,61 @@
           <a:lstStyle/>
           <a:p>
             <a:r>
+              <a:rPr lang="en-US" dirty="0"/>
+              <a:t>Updating Site Columns and Content Types</a:t>
+            </a:r>
+          </a:p>
+        </p:txBody>
+      </p:sp>
+    </p:spTree>
+    <p:extLst>
+      <p:ext uri="{BB962C8B-B14F-4D97-AF65-F5344CB8AC3E}">
+        <p14:creationId xmlns:p14="http://schemas.microsoft.com/office/powerpoint/2010/main" val="1261112044"/>
+      </p:ext>
+    </p:extLst>
+  </p:cSld>
+  <p:clrMapOvr>
+    <a:masterClrMapping/>
+  </p:clrMapOvr>
+  <p:transition>
+    <p:fade/>
+  </p:transition>
+</p:sld>
+</file>
+
+<file path=ppt/slides/slide23.xml><?xml version="1.0" encoding="utf-8"?>
+<p:sld xmlns:a="http://schemas.openxmlformats.org/drawingml/2006/main" xmlns:r="http://schemas.openxmlformats.org/officeDocument/2006/relationships" xmlns:p="http://schemas.openxmlformats.org/presentationml/2006/main">
+  <p:cSld>
+    <p:spTree>
+      <p:nvGrpSpPr>
+        <p:cNvPr id="1" name=""/>
+        <p:cNvGrpSpPr/>
+        <p:nvPr/>
+      </p:nvGrpSpPr>
+      <p:grpSpPr>
+        <a:xfrm>
+          <a:off x="0" y="0"/>
+          <a:ext cx="0" cy="0"/>
+          <a:chOff x="0" y="0"/>
+          <a:chExt cx="0" cy="0"/>
+        </a:xfrm>
+      </p:grpSpPr>
+      <p:sp>
+        <p:nvSpPr>
+          <p:cNvPr id="2" name="Title 1"/>
+          <p:cNvSpPr>
+            <a:spLocks noGrp="1"/>
+          </p:cNvSpPr>
+          <p:nvPr>
+            <p:ph type="title"/>
+          </p:nvPr>
+        </p:nvSpPr>
+        <p:spPr/>
+        <p:txBody>
+          <a:bodyPr/>
+          <a:lstStyle/>
+          <a:p>
+            <a:r>
               <a:rPr lang="en-US" dirty="0" smtClean="0"/>
               <a:t>Feature Upgrade</a:t>
             </a:r>
@@ -15559,7 +16174,7 @@
 </p:sld>
 </file>
 
-<file path=ppt/slides/slide22.xml><?xml version="1.0" encoding="utf-8"?>
+<file path=ppt/slides/slide24.xml><?xml version="1.0" encoding="utf-8"?>
 <p:sld xmlns:a="http://schemas.openxmlformats.org/drawingml/2006/main" xmlns:r="http://schemas.openxmlformats.org/officeDocument/2006/relationships" xmlns:p="http://schemas.openxmlformats.org/presentationml/2006/main">
   <p:cSld>
     <p:spTree>
@@ -17700,7 +18315,7 @@
 </p:sld>
 </file>
 
-<file path=ppt/slides/slide23.xml><?xml version="1.0" encoding="utf-8"?>
+<file path=ppt/slides/slide25.xml><?xml version="1.0" encoding="utf-8"?>
 <p:sld xmlns:a="http://schemas.openxmlformats.org/drawingml/2006/main" xmlns:r="http://schemas.openxmlformats.org/officeDocument/2006/relationships" xmlns:p="http://schemas.openxmlformats.org/presentationml/2006/main">
   <p:cSld>
     <p:spTree>
@@ -18821,7 +19436,7 @@
 </p:sld>
 </file>
 
-<file path=ppt/slides/slide24.xml><?xml version="1.0" encoding="utf-8"?>
+<file path=ppt/slides/slide26.xml><?xml version="1.0" encoding="utf-8"?>
 <p:sld xmlns:a="http://schemas.openxmlformats.org/drawingml/2006/main" xmlns:r="http://schemas.openxmlformats.org/officeDocument/2006/relationships" xmlns:p="http://schemas.openxmlformats.org/presentationml/2006/main">
   <p:cSld>
     <p:spTree>
@@ -20074,7 +20689,7 @@
 </p:sld>
 </file>
 
-<file path=ppt/slides/slide25.xml><?xml version="1.0" encoding="utf-8"?>
+<file path=ppt/slides/slide27.xml><?xml version="1.0" encoding="utf-8"?>
 <p:sld xmlns:a="http://schemas.openxmlformats.org/drawingml/2006/main" xmlns:r="http://schemas.openxmlformats.org/officeDocument/2006/relationships" xmlns:p="http://schemas.openxmlformats.org/presentationml/2006/main">
   <p:cSld>
     <p:spTree>
@@ -20223,7 +20838,7 @@
 </p:sld>
 </file>
 
-<file path=ppt/slides/slide26.xml><?xml version="1.0" encoding="utf-8"?>
+<file path=ppt/slides/slide28.xml><?xml version="1.0" encoding="utf-8"?>
 <p:sld xmlns:a="http://schemas.openxmlformats.org/drawingml/2006/main" xmlns:r="http://schemas.openxmlformats.org/officeDocument/2006/relationships" xmlns:p="http://schemas.openxmlformats.org/presentationml/2006/main">
   <p:cSld>
     <p:spTree>
@@ -20278,7 +20893,7 @@
 </p:sld>
 </file>
 
-<file path=ppt/slides/slide27.xml><?xml version="1.0" encoding="utf-8"?>
+<file path=ppt/slides/slide29.xml><?xml version="1.0" encoding="utf-8"?>
 <p:sld xmlns:a="http://schemas.openxmlformats.org/drawingml/2006/main" xmlns:r="http://schemas.openxmlformats.org/officeDocument/2006/relationships" xmlns:p="http://schemas.openxmlformats.org/presentationml/2006/main">
   <p:cSld>
     <p:spTree>
@@ -20442,7 +21057,170 @@
 </p:sld>
 </file>
 
-<file path=ppt/slides/slide28.xml><?xml version="1.0" encoding="utf-8"?>
+<file path=ppt/slides/slide3.xml><?xml version="1.0" encoding="utf-8"?>
+<p:sld xmlns:a="http://schemas.openxmlformats.org/drawingml/2006/main" xmlns:r="http://schemas.openxmlformats.org/officeDocument/2006/relationships" xmlns:p="http://schemas.openxmlformats.org/presentationml/2006/main">
+  <p:cSld>
+    <p:spTree>
+      <p:nvGrpSpPr>
+        <p:cNvPr id="1" name=""/>
+        <p:cNvGrpSpPr/>
+        <p:nvPr/>
+      </p:nvGrpSpPr>
+      <p:grpSpPr>
+        <a:xfrm>
+          <a:off x="0" y="0"/>
+          <a:ext cx="0" cy="0"/>
+          <a:chOff x="0" y="0"/>
+          <a:chExt cx="0" cy="0"/>
+        </a:xfrm>
+      </p:grpSpPr>
+      <p:sp>
+        <p:nvSpPr>
+          <p:cNvPr id="2" name="Text Placeholder 1"/>
+          <p:cNvSpPr>
+            <a:spLocks noGrp="1"/>
+          </p:cNvSpPr>
+          <p:nvPr>
+            <p:ph type="body" sz="quarter" idx="15"/>
+          </p:nvPr>
+        </p:nvSpPr>
+        <p:spPr>
+          <a:xfrm>
+            <a:off x="4709495" y="1814699"/>
+            <a:ext cx="7166650" cy="2880360"/>
+          </a:xfrm>
+        </p:spPr>
+        <p:txBody>
+          <a:bodyPr/>
+          <a:lstStyle/>
+          <a:p>
+            <a:r>
+              <a:rPr lang="en-US" sz="3136" dirty="0"/>
+              <a:t>Site Columns and Content Types</a:t>
+            </a:r>
+          </a:p>
+          <a:p>
+            <a:r>
+              <a:rPr lang="en-US" sz="3136" dirty="0"/>
+              <a:t>Creating </a:t>
+            </a:r>
+            <a:r>
+              <a:rPr lang="en-US" sz="3136" dirty="0" smtClean="0"/>
+              <a:t>Custom Lists using XML</a:t>
+            </a:r>
+            <a:endParaRPr lang="en-US" sz="3136" dirty="0"/>
+          </a:p>
+          <a:p>
+            <a:r>
+              <a:rPr lang="en-US" sz="3136" dirty="0"/>
+              <a:t>Updating </a:t>
+            </a:r>
+            <a:r>
+              <a:rPr lang="en-US" sz="3136" dirty="0" smtClean="0"/>
+              <a:t>Site Columns and Content Types</a:t>
+            </a:r>
+          </a:p>
+          <a:p>
+            <a:r>
+              <a:rPr lang="en-US" sz="3136" dirty="0"/>
+              <a:t>Creating Custom Lists using </a:t>
+            </a:r>
+            <a:r>
+              <a:rPr lang="en-US" sz="3136" dirty="0" smtClean="0"/>
+              <a:t>CSOM</a:t>
+            </a:r>
+            <a:endParaRPr lang="en-US" sz="3136" dirty="0"/>
+          </a:p>
+        </p:txBody>
+      </p:sp>
+      <p:pic>
+        <p:nvPicPr>
+          <p:cNvPr id="4" name="Picture Placeholder 3"/>
+          <p:cNvPicPr>
+            <a:picLocks noGrp="1" noChangeAspect="1"/>
+          </p:cNvPicPr>
+          <p:nvPr>
+            <p:ph type="pic" sz="quarter" idx="16"/>
+          </p:nvPr>
+        </p:nvPicPr>
+        <p:blipFill>
+          <a:blip r:embed="rId3">
+            <a:extLst>
+              <a:ext uri="{28A0092B-C50C-407E-A947-70E740481C1C}">
+                <a14:useLocalDpi xmlns:a14="http://schemas.microsoft.com/office/drawing/2010/main" val="0"/>
+              </a:ext>
+            </a:extLst>
+          </a:blip>
+          <a:stretch>
+            <a:fillRect/>
+          </a:stretch>
+        </p:blipFill>
+        <p:spPr>
+          <a:xfrm>
+            <a:off x="271513" y="1906106"/>
+            <a:ext cx="4300003" cy="2864463"/>
+          </a:xfrm>
+        </p:spPr>
+      </p:pic>
+      <p:sp>
+        <p:nvSpPr>
+          <p:cNvPr id="5" name="Title 4"/>
+          <p:cNvSpPr>
+            <a:spLocks noGrp="1"/>
+          </p:cNvSpPr>
+          <p:nvPr>
+            <p:ph type="title"/>
+          </p:nvPr>
+        </p:nvSpPr>
+        <p:spPr/>
+        <p:txBody>
+          <a:bodyPr/>
+          <a:lstStyle/>
+          <a:p>
+            <a:r>
+              <a:rPr lang="en-US" dirty="0" smtClean="0"/>
+              <a:t>Agenda</a:t>
+            </a:r>
+            <a:br>
+              <a:rPr lang="en-US" dirty="0" smtClean="0"/>
+            </a:br>
+            <a:endParaRPr lang="en-US" dirty="0"/>
+          </a:p>
+        </p:txBody>
+      </p:sp>
+    </p:spTree>
+    <p:extLst>
+      <p:ext uri="{BB962C8B-B14F-4D97-AF65-F5344CB8AC3E}">
+        <p14:creationId xmlns:p14="http://schemas.microsoft.com/office/powerpoint/2010/main" val="2591341093"/>
+      </p:ext>
+    </p:extLst>
+  </p:cSld>
+  <p:clrMapOvr>
+    <a:masterClrMapping/>
+  </p:clrMapOvr>
+  <mc:AlternateContent xmlns:mc="http://schemas.openxmlformats.org/markup-compatibility/2006" xmlns:p14="http://schemas.microsoft.com/office/powerpoint/2010/main">
+    <mc:Choice Requires="p14">
+      <p:transition spd="med" p14:dur="700">
+        <p:fade/>
+      </p:transition>
+    </mc:Choice>
+    <mc:Fallback xmlns="">
+      <p:transition spd="med">
+        <p:fade/>
+      </p:transition>
+    </mc:Fallback>
+  </mc:AlternateContent>
+  <p:timing>
+    <p:tnLst>
+      <p:par>
+        <p:cTn id="1" dur="indefinite" restart="never" nodeType="tmRoot"/>
+      </p:par>
+    </p:tnLst>
+  </p:timing>
+</p:sld>
+</file>
+
+<file path=ppt/slides/slide30.xml><?xml version="1.0" encoding="utf-8"?>
 <p:sld xmlns:a="http://schemas.openxmlformats.org/drawingml/2006/main" xmlns:r="http://schemas.openxmlformats.org/officeDocument/2006/relationships" xmlns:p="http://schemas.openxmlformats.org/presentationml/2006/main">
   <p:cSld>
     <p:spTree>
@@ -20526,7 +21304,7 @@
 </p:sld>
 </file>
 
-<file path=ppt/slides/slide29.xml><?xml version="1.0" encoding="utf-8"?>
+<file path=ppt/slides/slide31.xml><?xml version="1.0" encoding="utf-8"?>
 <p:sld xmlns:a="http://schemas.openxmlformats.org/drawingml/2006/main" xmlns:r="http://schemas.openxmlformats.org/officeDocument/2006/relationships" xmlns:p="http://schemas.openxmlformats.org/presentationml/2006/main">
   <p:cSld>
     <p:spTree>
@@ -20657,170 +21435,7 @@
 </p:sld>
 </file>
 
-<file path=ppt/slides/slide3.xml><?xml version="1.0" encoding="utf-8"?>
-<p:sld xmlns:a="http://schemas.openxmlformats.org/drawingml/2006/main" xmlns:r="http://schemas.openxmlformats.org/officeDocument/2006/relationships" xmlns:p="http://schemas.openxmlformats.org/presentationml/2006/main">
-  <p:cSld>
-    <p:spTree>
-      <p:nvGrpSpPr>
-        <p:cNvPr id="1" name=""/>
-        <p:cNvGrpSpPr/>
-        <p:nvPr/>
-      </p:nvGrpSpPr>
-      <p:grpSpPr>
-        <a:xfrm>
-          <a:off x="0" y="0"/>
-          <a:ext cx="0" cy="0"/>
-          <a:chOff x="0" y="0"/>
-          <a:chExt cx="0" cy="0"/>
-        </a:xfrm>
-      </p:grpSpPr>
-      <p:sp>
-        <p:nvSpPr>
-          <p:cNvPr id="2" name="Text Placeholder 1"/>
-          <p:cNvSpPr>
-            <a:spLocks noGrp="1"/>
-          </p:cNvSpPr>
-          <p:nvPr>
-            <p:ph type="body" sz="quarter" idx="15"/>
-          </p:nvPr>
-        </p:nvSpPr>
-        <p:spPr>
-          <a:xfrm>
-            <a:off x="4709495" y="1814699"/>
-            <a:ext cx="7166650" cy="2880360"/>
-          </a:xfrm>
-        </p:spPr>
-        <p:txBody>
-          <a:bodyPr/>
-          <a:lstStyle/>
-          <a:p>
-            <a:r>
-              <a:rPr lang="en-US" sz="3136" dirty="0"/>
-              <a:t>Site Columns and Content Types</a:t>
-            </a:r>
-          </a:p>
-          <a:p>
-            <a:r>
-              <a:rPr lang="en-US" sz="3136" dirty="0"/>
-              <a:t>Creating </a:t>
-            </a:r>
-            <a:r>
-              <a:rPr lang="en-US" sz="3136" dirty="0" smtClean="0"/>
-              <a:t>Custom Lists using XML</a:t>
-            </a:r>
-            <a:endParaRPr lang="en-US" sz="3136" dirty="0"/>
-          </a:p>
-          <a:p>
-            <a:r>
-              <a:rPr lang="en-US" sz="3136" dirty="0"/>
-              <a:t>Updating </a:t>
-            </a:r>
-            <a:r>
-              <a:rPr lang="en-US" sz="3136" dirty="0" smtClean="0"/>
-              <a:t>Site Columns and Content Types</a:t>
-            </a:r>
-          </a:p>
-          <a:p>
-            <a:r>
-              <a:rPr lang="en-US" sz="3136" dirty="0"/>
-              <a:t>Creating Custom Lists using </a:t>
-            </a:r>
-            <a:r>
-              <a:rPr lang="en-US" sz="3136" dirty="0" smtClean="0"/>
-              <a:t>CSOM</a:t>
-            </a:r>
-            <a:endParaRPr lang="en-US" sz="3136" dirty="0"/>
-          </a:p>
-        </p:txBody>
-      </p:sp>
-      <p:pic>
-        <p:nvPicPr>
-          <p:cNvPr id="4" name="Picture Placeholder 3"/>
-          <p:cNvPicPr>
-            <a:picLocks noGrp="1" noChangeAspect="1"/>
-          </p:cNvPicPr>
-          <p:nvPr>
-            <p:ph type="pic" sz="quarter" idx="16"/>
-          </p:nvPr>
-        </p:nvPicPr>
-        <p:blipFill>
-          <a:blip r:embed="rId3">
-            <a:extLst>
-              <a:ext uri="{28A0092B-C50C-407E-A947-70E740481C1C}">
-                <a14:useLocalDpi xmlns:a14="http://schemas.microsoft.com/office/drawing/2010/main" val="0"/>
-              </a:ext>
-            </a:extLst>
-          </a:blip>
-          <a:stretch>
-            <a:fillRect/>
-          </a:stretch>
-        </p:blipFill>
-        <p:spPr>
-          <a:xfrm>
-            <a:off x="271513" y="1906106"/>
-            <a:ext cx="4300003" cy="2864463"/>
-          </a:xfrm>
-        </p:spPr>
-      </p:pic>
-      <p:sp>
-        <p:nvSpPr>
-          <p:cNvPr id="5" name="Title 4"/>
-          <p:cNvSpPr>
-            <a:spLocks noGrp="1"/>
-          </p:cNvSpPr>
-          <p:nvPr>
-            <p:ph type="title"/>
-          </p:nvPr>
-        </p:nvSpPr>
-        <p:spPr/>
-        <p:txBody>
-          <a:bodyPr/>
-          <a:lstStyle/>
-          <a:p>
-            <a:r>
-              <a:rPr lang="en-US" dirty="0" smtClean="0"/>
-              <a:t>Agenda</a:t>
-            </a:r>
-            <a:br>
-              <a:rPr lang="en-US" dirty="0" smtClean="0"/>
-            </a:br>
-            <a:endParaRPr lang="en-US" dirty="0"/>
-          </a:p>
-        </p:txBody>
-      </p:sp>
-    </p:spTree>
-    <p:extLst>
-      <p:ext uri="{BB962C8B-B14F-4D97-AF65-F5344CB8AC3E}">
-        <p14:creationId xmlns:p14="http://schemas.microsoft.com/office/powerpoint/2010/main" val="2591341093"/>
-      </p:ext>
-    </p:extLst>
-  </p:cSld>
-  <p:clrMapOvr>
-    <a:masterClrMapping/>
-  </p:clrMapOvr>
-  <mc:AlternateContent xmlns:mc="http://schemas.openxmlformats.org/markup-compatibility/2006" xmlns:p14="http://schemas.microsoft.com/office/powerpoint/2010/main">
-    <mc:Choice Requires="p14">
-      <p:transition spd="med" p14:dur="700">
-        <p:fade/>
-      </p:transition>
-    </mc:Choice>
-    <mc:Fallback xmlns="">
-      <p:transition spd="med">
-        <p:fade/>
-      </p:transition>
-    </mc:Fallback>
-  </mc:AlternateContent>
-  <p:timing>
-    <p:tnLst>
-      <p:par>
-        <p:cTn id="1" dur="indefinite" restart="never" nodeType="tmRoot"/>
-      </p:par>
-    </p:tnLst>
-  </p:timing>
-</p:sld>
-</file>
-
-<file path=ppt/slides/slide30.xml><?xml version="1.0" encoding="utf-8"?>
+<file path=ppt/slides/slide32.xml><?xml version="1.0" encoding="utf-8"?>
 <p:sld xmlns:a="http://schemas.openxmlformats.org/drawingml/2006/main" xmlns:r="http://schemas.openxmlformats.org/officeDocument/2006/relationships" xmlns:p="http://schemas.openxmlformats.org/presentationml/2006/main">
   <p:cSld>
     <p:spTree>
@@ -20909,7 +21524,7 @@
 </p:sld>
 </file>
 
-<file path=ppt/slides/slide31.xml><?xml version="1.0" encoding="utf-8"?>
+<file path=ppt/slides/slide33.xml><?xml version="1.0" encoding="utf-8"?>
 <p:sld xmlns:a="http://schemas.openxmlformats.org/drawingml/2006/main" xmlns:r="http://schemas.openxmlformats.org/officeDocument/2006/relationships" xmlns:p="http://schemas.openxmlformats.org/presentationml/2006/main">
   <p:cSld>
     <p:spTree>
@@ -20945,7 +21560,6 @@
               <a:rPr lang="en-US" dirty="0"/>
               <a:t>Creating site columns, content types and lists using CSOM</a:t>
             </a:r>
-            <a:endParaRPr lang="en-US" dirty="0"/>
           </a:p>
         </p:txBody>
       </p:sp>
@@ -20998,7 +21612,7 @@
 </p:sld>
 </file>
 
-<file path=ppt/slides/slide32.xml><?xml version="1.0" encoding="utf-8"?>
+<file path=ppt/slides/slide34.xml><?xml version="1.0" encoding="utf-8"?>
 <p:sld xmlns:a="http://schemas.openxmlformats.org/drawingml/2006/main" xmlns:r="http://schemas.openxmlformats.org/officeDocument/2006/relationships" xmlns:p="http://schemas.openxmlformats.org/presentationml/2006/main">
   <p:cSld>
     <p:spTree>
@@ -21055,6 +21669,3067 @@
           <a:chExt cx="0" cy="0"/>
         </a:xfrm>
       </p:grpSpPr>
+      <p:grpSp>
+        <p:nvGrpSpPr>
+          <p:cNvPr id="3" name="Group 2"/>
+          <p:cNvGrpSpPr/>
+          <p:nvPr/>
+        </p:nvGrpSpPr>
+        <p:grpSpPr>
+          <a:xfrm>
+            <a:off x="1012156" y="1099293"/>
+            <a:ext cx="9600880" cy="5458038"/>
+            <a:chOff x="307618" y="490906"/>
+            <a:chExt cx="10773538" cy="6124686"/>
+          </a:xfrm>
+        </p:grpSpPr>
+        <p:grpSp>
+          <p:nvGrpSpPr>
+            <p:cNvPr id="5" name="Group 4"/>
+            <p:cNvGrpSpPr/>
+            <p:nvPr/>
+          </p:nvGrpSpPr>
+          <p:grpSpPr>
+            <a:xfrm>
+              <a:off x="9681522" y="1939983"/>
+              <a:ext cx="1399634" cy="878557"/>
+              <a:chOff x="10169960" y="3361847"/>
+              <a:chExt cx="1399999" cy="878786"/>
+            </a:xfrm>
+          </p:grpSpPr>
+          <p:pic>
+            <p:nvPicPr>
+              <p:cNvPr id="6" name="Picture 5"/>
+              <p:cNvPicPr>
+                <a:picLocks noChangeAspect="1"/>
+              </p:cNvPicPr>
+              <p:nvPr/>
+            </p:nvPicPr>
+            <p:blipFill>
+              <a:blip r:embed="rId2"/>
+              <a:stretch>
+                <a:fillRect/>
+              </a:stretch>
+            </p:blipFill>
+            <p:spPr>
+              <a:xfrm>
+                <a:off x="10571003" y="3361847"/>
+                <a:ext cx="597915" cy="598560"/>
+              </a:xfrm>
+              <a:prstGeom prst="rect">
+                <a:avLst/>
+              </a:prstGeom>
+            </p:spPr>
+          </p:pic>
+          <p:sp>
+            <p:nvSpPr>
+              <p:cNvPr id="7" name="TextBox 6"/>
+              <p:cNvSpPr txBox="1"/>
+              <p:nvPr/>
+            </p:nvSpPr>
+            <p:spPr>
+              <a:xfrm>
+                <a:off x="10169960" y="3932985"/>
+                <a:ext cx="1399999" cy="307648"/>
+              </a:xfrm>
+              <a:prstGeom prst="rect">
+                <a:avLst/>
+              </a:prstGeom>
+              <a:noFill/>
+            </p:spPr>
+            <p:txBody>
+              <a:bodyPr wrap="none" lIns="0" tIns="0" rIns="0" bIns="0" rtlCol="0">
+                <a:spAutoFit/>
+              </a:bodyPr>
+              <a:lstStyle/>
+              <a:p>
+                <a:r>
+                  <a:rPr lang="en-US" sz="1999" spc="-70" dirty="0">
+                    <a:solidFill>
+                      <a:schemeClr val="bg1">
+                        <a:lumMod val="50000"/>
+                      </a:schemeClr>
+                    </a:solidFill>
+                  </a:rPr>
+                  <a:t>Web Services</a:t>
+                </a:r>
+              </a:p>
+            </p:txBody>
+          </p:sp>
+        </p:grpSp>
+        <p:grpSp>
+          <p:nvGrpSpPr>
+            <p:cNvPr id="8" name="Group 7"/>
+            <p:cNvGrpSpPr/>
+            <p:nvPr/>
+          </p:nvGrpSpPr>
+          <p:grpSpPr>
+            <a:xfrm>
+              <a:off x="8539694" y="490906"/>
+              <a:ext cx="1074501" cy="1257959"/>
+              <a:chOff x="5533729" y="1219725"/>
+              <a:chExt cx="1074781" cy="1258287"/>
+            </a:xfrm>
+          </p:grpSpPr>
+          <p:pic>
+            <p:nvPicPr>
+              <p:cNvPr id="9" name="Picture 8"/>
+              <p:cNvPicPr>
+                <a:picLocks noChangeAspect="1"/>
+              </p:cNvPicPr>
+              <p:nvPr/>
+            </p:nvPicPr>
+            <p:blipFill>
+              <a:blip r:embed="rId3"/>
+              <a:stretch>
+                <a:fillRect/>
+              </a:stretch>
+            </p:blipFill>
+            <p:spPr>
+              <a:xfrm>
+                <a:off x="5533729" y="1292597"/>
+                <a:ext cx="465830" cy="863861"/>
+              </a:xfrm>
+              <a:prstGeom prst="rect">
+                <a:avLst/>
+              </a:prstGeom>
+            </p:spPr>
+          </p:pic>
+          <p:pic>
+            <p:nvPicPr>
+              <p:cNvPr id="10" name="Picture 9"/>
+              <p:cNvPicPr>
+                <a:picLocks noChangeAspect="1"/>
+              </p:cNvPicPr>
+              <p:nvPr/>
+            </p:nvPicPr>
+            <p:blipFill>
+              <a:blip r:embed="rId4"/>
+              <a:stretch>
+                <a:fillRect/>
+              </a:stretch>
+            </p:blipFill>
+            <p:spPr>
+              <a:xfrm>
+                <a:off x="5835073" y="1219725"/>
+                <a:ext cx="730013" cy="911760"/>
+              </a:xfrm>
+              <a:prstGeom prst="rect">
+                <a:avLst/>
+              </a:prstGeom>
+            </p:spPr>
+          </p:pic>
+          <p:sp>
+            <p:nvSpPr>
+              <p:cNvPr id="11" name="TextBox 10"/>
+              <p:cNvSpPr txBox="1"/>
+              <p:nvPr/>
+            </p:nvSpPr>
+            <p:spPr>
+              <a:xfrm>
+                <a:off x="5533729" y="2170364"/>
+                <a:ext cx="1074781" cy="307648"/>
+              </a:xfrm>
+              <a:prstGeom prst="rect">
+                <a:avLst/>
+              </a:prstGeom>
+              <a:noFill/>
+            </p:spPr>
+            <p:txBody>
+              <a:bodyPr wrap="none" lIns="0" tIns="0" rIns="0" bIns="0" rtlCol="0">
+                <a:spAutoFit/>
+              </a:bodyPr>
+              <a:lstStyle/>
+              <a:p>
+                <a:r>
+                  <a:rPr lang="en-US" sz="1999" spc="-70" dirty="0">
+                    <a:solidFill>
+                      <a:schemeClr val="bg1">
+                        <a:lumMod val="50000"/>
+                      </a:schemeClr>
+                    </a:solidFill>
+                  </a:rPr>
+                  <a:t>Databases</a:t>
+                </a:r>
+              </a:p>
+            </p:txBody>
+          </p:sp>
+        </p:grpSp>
+        <p:sp>
+          <p:nvSpPr>
+            <p:cNvPr id="33" name="Rectangle 32"/>
+            <p:cNvSpPr/>
+            <p:nvPr/>
+          </p:nvSpPr>
+          <p:spPr bwMode="auto">
+            <a:xfrm>
+              <a:off x="3297723" y="761020"/>
+              <a:ext cx="4544692" cy="1869704"/>
+            </a:xfrm>
+            <a:prstGeom prst="rect">
+              <a:avLst/>
+            </a:prstGeom>
+            <a:solidFill>
+              <a:schemeClr val="bg2">
+                <a:lumMod val="20000"/>
+                <a:lumOff val="80000"/>
+                <a:alpha val="75000"/>
+              </a:schemeClr>
+            </a:solidFill>
+            <a:ln>
+              <a:headEnd type="none" w="med" len="med"/>
+              <a:tailEnd type="none" w="med" len="med"/>
+            </a:ln>
+          </p:spPr>
+          <p:style>
+            <a:lnRef idx="2">
+              <a:schemeClr val="accent5"/>
+            </a:lnRef>
+            <a:fillRef idx="1">
+              <a:schemeClr val="lt1"/>
+            </a:fillRef>
+            <a:effectRef idx="0">
+              <a:schemeClr val="accent5"/>
+            </a:effectRef>
+            <a:fontRef idx="minor">
+              <a:schemeClr val="dk1"/>
+            </a:fontRef>
+          </p:style>
+          <p:txBody>
+            <a:bodyPr rot="0" spcFirstLastPara="0" vertOverflow="overflow" horzOverflow="overflow" vert="horz" wrap="square" lIns="107972" tIns="45708" rIns="45708" bIns="45708" numCol="1" spcCol="0" rtlCol="0" fromWordArt="0" anchor="t" anchorCtr="0" forceAA="0" compatLnSpc="1">
+              <a:prstTxWarp prst="textNoShape">
+                <a:avLst/>
+              </a:prstTxWarp>
+              <a:noAutofit/>
+            </a:bodyPr>
+            <a:lstStyle/>
+            <a:p>
+              <a:pPr defTabSz="913825" fontAlgn="base">
+                <a:spcBef>
+                  <a:spcPct val="0"/>
+                </a:spcBef>
+                <a:spcAft>
+                  <a:spcPct val="0"/>
+                </a:spcAft>
+              </a:pPr>
+              <a:r>
+                <a:rPr lang="en-US" sz="1999" dirty="0">
+                  <a:solidFill>
+                    <a:schemeClr val="tx1">
+                      <a:lumMod val="65000"/>
+                      <a:lumOff val="35000"/>
+                    </a:schemeClr>
+                  </a:solidFill>
+                  <a:ea typeface="Segoe UI" pitchFamily="34" charset="0"/>
+                  <a:cs typeface="Segoe UI" pitchFamily="34" charset="0"/>
+                </a:rPr>
+                <a:t>SharePoint Apps</a:t>
+              </a:r>
+            </a:p>
+          </p:txBody>
+        </p:sp>
+        <p:grpSp>
+          <p:nvGrpSpPr>
+            <p:cNvPr id="34" name="Group 33"/>
+            <p:cNvGrpSpPr/>
+            <p:nvPr/>
+          </p:nvGrpSpPr>
+          <p:grpSpPr>
+            <a:xfrm>
+              <a:off x="4687636" y="1259738"/>
+              <a:ext cx="2037983" cy="1120028"/>
+              <a:chOff x="1929148" y="3558828"/>
+              <a:chExt cx="2038514" cy="1120320"/>
+            </a:xfrm>
+          </p:grpSpPr>
+          <p:grpSp>
+            <p:nvGrpSpPr>
+              <p:cNvPr id="35" name="Group 34"/>
+              <p:cNvGrpSpPr/>
+              <p:nvPr/>
+            </p:nvGrpSpPr>
+            <p:grpSpPr>
+              <a:xfrm>
+                <a:off x="3082467" y="3573039"/>
+                <a:ext cx="885195" cy="761294"/>
+                <a:chOff x="7956376" y="6096598"/>
+                <a:chExt cx="885320" cy="761402"/>
+              </a:xfrm>
+            </p:grpSpPr>
+            <p:sp>
+              <p:nvSpPr>
+                <p:cNvPr id="61" name="Arc 60"/>
+                <p:cNvSpPr/>
+                <p:nvPr/>
+              </p:nvSpPr>
+              <p:spPr>
+                <a:xfrm rot="16200000">
+                  <a:off x="8018335" y="6034639"/>
+                  <a:ext cx="761402" cy="885320"/>
+                </a:xfrm>
+                <a:prstGeom prst="arc">
+                  <a:avLst>
+                    <a:gd name="adj1" fmla="val 2097834"/>
+                    <a:gd name="adj2" fmla="val 366333"/>
+                  </a:avLst>
+                </a:prstGeom>
+                <a:ln w="41275">
+                  <a:solidFill>
+                    <a:schemeClr val="tx1">
+                      <a:alpha val="80000"/>
+                    </a:schemeClr>
+                  </a:solidFill>
+                  <a:headEnd type="diamond" w="sm" len="med"/>
+                  <a:tailEnd type="stealth" w="lg" len="lg"/>
+                </a:ln>
+                <a:effectLst>
+                  <a:outerShdw blurRad="50800" dist="38100" dir="2700000" algn="tl" rotWithShape="0">
+                    <a:prstClr val="black">
+                      <a:alpha val="40000"/>
+                    </a:prstClr>
+                  </a:outerShdw>
+                </a:effectLst>
+              </p:spPr>
+              <p:style>
+                <a:lnRef idx="1">
+                  <a:schemeClr val="accent4"/>
+                </a:lnRef>
+                <a:fillRef idx="0">
+                  <a:schemeClr val="accent4"/>
+                </a:fillRef>
+                <a:effectRef idx="0">
+                  <a:schemeClr val="accent4"/>
+                </a:effectRef>
+                <a:fontRef idx="minor">
+                  <a:schemeClr val="tx1"/>
+                </a:fontRef>
+              </p:style>
+              <p:txBody>
+                <a:bodyPr rtlCol="0" anchor="ctr"/>
+                <a:lstStyle/>
+                <a:p>
+                  <a:pPr algn="ctr"/>
+                  <a:endParaRPr lang="en-US" sz="1799">
+                    <a:latin typeface="Segoe UI Light" panose="020B0502040204020203" pitchFamily="34" charset="0"/>
+                    <a:cs typeface="Segoe UI Light" panose="020B0502040204020203" pitchFamily="34" charset="0"/>
+                  </a:endParaRPr>
+                </a:p>
+              </p:txBody>
+            </p:sp>
+            <p:pic>
+              <p:nvPicPr>
+                <p:cNvPr id="62" name="Picture 61"/>
+                <p:cNvPicPr>
+                  <a:picLocks noChangeAspect="1"/>
+                </p:cNvPicPr>
+                <p:nvPr/>
+              </p:nvPicPr>
+              <p:blipFill>
+                <a:blip r:embed="rId5"/>
+                <a:stretch>
+                  <a:fillRect/>
+                </a:stretch>
+              </p:blipFill>
+              <p:spPr>
+                <a:xfrm>
+                  <a:off x="8025412" y="6179037"/>
+                  <a:ext cx="713910" cy="636559"/>
+                </a:xfrm>
+                <a:prstGeom prst="rect">
+                  <a:avLst/>
+                </a:prstGeom>
+              </p:spPr>
+            </p:pic>
+          </p:grpSp>
+          <p:grpSp>
+            <p:nvGrpSpPr>
+              <p:cNvPr id="36" name="Group 35"/>
+              <p:cNvGrpSpPr>
+                <a:grpSpLocks noChangeAspect="1"/>
+              </p:cNvGrpSpPr>
+              <p:nvPr/>
+            </p:nvGrpSpPr>
+            <p:grpSpPr>
+              <a:xfrm>
+                <a:off x="1929148" y="4146210"/>
+                <a:ext cx="397077" cy="504000"/>
+                <a:chOff x="6278801" y="2244912"/>
+                <a:chExt cx="605042" cy="767962"/>
+              </a:xfrm>
+            </p:grpSpPr>
+            <p:pic>
+              <p:nvPicPr>
+                <p:cNvPr id="57" name="Picture 56"/>
+                <p:cNvPicPr>
+                  <a:picLocks noChangeAspect="1"/>
+                </p:cNvPicPr>
+                <p:nvPr/>
+              </p:nvPicPr>
+              <p:blipFill>
+                <a:blip r:embed="rId6"/>
+                <a:stretch>
+                  <a:fillRect/>
+                </a:stretch>
+              </p:blipFill>
+              <p:spPr>
+                <a:xfrm>
+                  <a:off x="6278801" y="2244912"/>
+                  <a:ext cx="527111" cy="689388"/>
+                </a:xfrm>
+                <a:prstGeom prst="rect">
+                  <a:avLst/>
+                </a:prstGeom>
+              </p:spPr>
+            </p:pic>
+            <p:pic>
+              <p:nvPicPr>
+                <p:cNvPr id="58" name="Picture 57"/>
+                <p:cNvPicPr>
+                  <a:picLocks noChangeAspect="1"/>
+                </p:cNvPicPr>
+                <p:nvPr/>
+              </p:nvPicPr>
+              <p:blipFill>
+                <a:blip r:embed="rId6"/>
+                <a:stretch>
+                  <a:fillRect/>
+                </a:stretch>
+              </p:blipFill>
+              <p:spPr>
+                <a:xfrm>
+                  <a:off x="6356732" y="2323486"/>
+                  <a:ext cx="527111" cy="689388"/>
+                </a:xfrm>
+                <a:prstGeom prst="rect">
+                  <a:avLst/>
+                </a:prstGeom>
+              </p:spPr>
+            </p:pic>
+            <p:sp>
+              <p:nvSpPr>
+                <p:cNvPr id="59" name="Right Triangle 58"/>
+                <p:cNvSpPr/>
+                <p:nvPr/>
+              </p:nvSpPr>
+              <p:spPr bwMode="auto">
+                <a:xfrm>
+                  <a:off x="6400103" y="2347895"/>
+                  <a:ext cx="440367" cy="626130"/>
+                </a:xfrm>
+                <a:prstGeom prst="rtTriangle">
+                  <a:avLst/>
+                </a:prstGeom>
+                <a:solidFill>
+                  <a:schemeClr val="accent2"/>
+                </a:solidFill>
+                <a:ln>
+                  <a:noFill/>
+                  <a:headEnd type="none" w="med" len="med"/>
+                  <a:tailEnd type="none" w="med" len="med"/>
+                </a:ln>
+                <a:effectLst/>
+              </p:spPr>
+              <p:style>
+                <a:lnRef idx="1">
+                  <a:schemeClr val="accent2"/>
+                </a:lnRef>
+                <a:fillRef idx="3">
+                  <a:schemeClr val="accent2"/>
+                </a:fillRef>
+                <a:effectRef idx="2">
+                  <a:schemeClr val="accent2"/>
+                </a:effectRef>
+                <a:fontRef idx="minor">
+                  <a:schemeClr val="lt1"/>
+                </a:fontRef>
+              </p:style>
+              <p:txBody>
+                <a:bodyPr rot="0" spcFirstLastPara="0" vertOverflow="overflow" horzOverflow="overflow" vert="horz" wrap="square" lIns="45708" tIns="45708" rIns="45708" bIns="45708" numCol="1" spcCol="0" rtlCol="0" fromWordArt="0" anchor="ctr" anchorCtr="0" forceAA="0" compatLnSpc="1">
+                  <a:prstTxWarp prst="textNoShape">
+                    <a:avLst/>
+                  </a:prstTxWarp>
+                  <a:noAutofit/>
+                </a:bodyPr>
+                <a:lstStyle/>
+                <a:p>
+                  <a:pPr algn="ctr" defTabSz="913825" fontAlgn="base">
+                    <a:spcBef>
+                      <a:spcPct val="0"/>
+                    </a:spcBef>
+                    <a:spcAft>
+                      <a:spcPct val="0"/>
+                    </a:spcAft>
+                  </a:pPr>
+                  <a:endParaRPr lang="en-US" sz="1600" dirty="0">
+                    <a:gradFill>
+                      <a:gsLst>
+                        <a:gs pos="0">
+                          <a:srgbClr val="FFFFFF"/>
+                        </a:gs>
+                        <a:gs pos="100000">
+                          <a:srgbClr val="FFFFFF"/>
+                        </a:gs>
+                      </a:gsLst>
+                      <a:lin ang="5400000" scaled="0"/>
+                    </a:gradFill>
+                    <a:ea typeface="Segoe UI" pitchFamily="34" charset="0"/>
+                    <a:cs typeface="Segoe UI" pitchFamily="34" charset="0"/>
+                  </a:endParaRPr>
+                </a:p>
+              </p:txBody>
+            </p:sp>
+            <p:sp>
+              <p:nvSpPr>
+                <p:cNvPr id="60" name="TextBox 59"/>
+                <p:cNvSpPr txBox="1"/>
+                <p:nvPr/>
+              </p:nvSpPr>
+              <p:spPr>
+                <a:xfrm>
+                  <a:off x="6422020" y="2719459"/>
+                  <a:ext cx="320464" cy="257933"/>
+                </a:xfrm>
+                <a:prstGeom prst="rect">
+                  <a:avLst/>
+                </a:prstGeom>
+                <a:noFill/>
+              </p:spPr>
+              <p:txBody>
+                <a:bodyPr wrap="none" lIns="0" tIns="0" rIns="0" bIns="0" rtlCol="0">
+                  <a:spAutoFit/>
+                </a:bodyPr>
+                <a:lstStyle/>
+                <a:p>
+                  <a:r>
+                    <a:rPr lang="fi-FI" sz="1100" spc="-70" dirty="0">
+                      <a:solidFill>
+                        <a:schemeClr val="bg1"/>
+                      </a:solidFill>
+                      <a:effectLst>
+                        <a:outerShdw blurRad="50800" dist="38100" dir="2700000" algn="tl" rotWithShape="0">
+                          <a:schemeClr val="tx2">
+                            <a:alpha val="40000"/>
+                          </a:schemeClr>
+                        </a:outerShdw>
+                      </a:effectLst>
+                    </a:rPr>
+                    <a:t>CSS</a:t>
+                  </a:r>
+                  <a:endParaRPr lang="en-US" sz="1100" spc="-70" dirty="0">
+                    <a:solidFill>
+                      <a:schemeClr val="bg1"/>
+                    </a:solidFill>
+                    <a:effectLst>
+                      <a:outerShdw blurRad="50800" dist="38100" dir="2700000" algn="tl" rotWithShape="0">
+                        <a:schemeClr val="tx2">
+                          <a:alpha val="40000"/>
+                        </a:schemeClr>
+                      </a:outerShdw>
+                    </a:effectLst>
+                  </a:endParaRPr>
+                </a:p>
+              </p:txBody>
+            </p:sp>
+          </p:grpSp>
+          <p:grpSp>
+            <p:nvGrpSpPr>
+              <p:cNvPr id="37" name="Group 36"/>
+              <p:cNvGrpSpPr>
+                <a:grpSpLocks noChangeAspect="1"/>
+              </p:cNvGrpSpPr>
+              <p:nvPr/>
+            </p:nvGrpSpPr>
+            <p:grpSpPr>
+              <a:xfrm>
+                <a:off x="2160143" y="3845503"/>
+                <a:ext cx="400137" cy="504000"/>
+                <a:chOff x="6926384" y="2275112"/>
+                <a:chExt cx="605872" cy="763139"/>
+              </a:xfrm>
+            </p:grpSpPr>
+            <p:pic>
+              <p:nvPicPr>
+                <p:cNvPr id="53" name="Picture 52"/>
+                <p:cNvPicPr>
+                  <a:picLocks noChangeAspect="1"/>
+                </p:cNvPicPr>
+                <p:nvPr/>
+              </p:nvPicPr>
+              <p:blipFill>
+                <a:blip r:embed="rId6"/>
+                <a:stretch>
+                  <a:fillRect/>
+                </a:stretch>
+              </p:blipFill>
+              <p:spPr>
+                <a:xfrm>
+                  <a:off x="6926384" y="2275112"/>
+                  <a:ext cx="527111" cy="689388"/>
+                </a:xfrm>
+                <a:prstGeom prst="rect">
+                  <a:avLst/>
+                </a:prstGeom>
+              </p:spPr>
+            </p:pic>
+            <p:pic>
+              <p:nvPicPr>
+                <p:cNvPr id="54" name="Picture 53"/>
+                <p:cNvPicPr>
+                  <a:picLocks noChangeAspect="1"/>
+                </p:cNvPicPr>
+                <p:nvPr/>
+              </p:nvPicPr>
+              <p:blipFill>
+                <a:blip r:embed="rId6"/>
+                <a:stretch>
+                  <a:fillRect/>
+                </a:stretch>
+              </p:blipFill>
+              <p:spPr>
+                <a:xfrm>
+                  <a:off x="7005145" y="2348863"/>
+                  <a:ext cx="527111" cy="689388"/>
+                </a:xfrm>
+                <a:prstGeom prst="rect">
+                  <a:avLst/>
+                </a:prstGeom>
+              </p:spPr>
+            </p:pic>
+            <p:sp>
+              <p:nvSpPr>
+                <p:cNvPr id="55" name="Right Triangle 54"/>
+                <p:cNvSpPr/>
+                <p:nvPr/>
+              </p:nvSpPr>
+              <p:spPr bwMode="auto">
+                <a:xfrm>
+                  <a:off x="7048516" y="2373272"/>
+                  <a:ext cx="440367" cy="626130"/>
+                </a:xfrm>
+                <a:prstGeom prst="rtTriangle">
+                  <a:avLst/>
+                </a:prstGeom>
+                <a:solidFill>
+                  <a:schemeClr val="accent1"/>
+                </a:solidFill>
+                <a:ln>
+                  <a:noFill/>
+                  <a:headEnd type="none" w="med" len="med"/>
+                  <a:tailEnd type="none" w="med" len="med"/>
+                </a:ln>
+                <a:effectLst/>
+              </p:spPr>
+              <p:style>
+                <a:lnRef idx="1">
+                  <a:schemeClr val="accent2"/>
+                </a:lnRef>
+                <a:fillRef idx="3">
+                  <a:schemeClr val="accent2"/>
+                </a:fillRef>
+                <a:effectRef idx="2">
+                  <a:schemeClr val="accent2"/>
+                </a:effectRef>
+                <a:fontRef idx="minor">
+                  <a:schemeClr val="lt1"/>
+                </a:fontRef>
+              </p:style>
+              <p:txBody>
+                <a:bodyPr rot="0" spcFirstLastPara="0" vertOverflow="overflow" horzOverflow="overflow" vert="horz" wrap="square" lIns="45708" tIns="45708" rIns="45708" bIns="45708" numCol="1" spcCol="0" rtlCol="0" fromWordArt="0" anchor="ctr" anchorCtr="0" forceAA="0" compatLnSpc="1">
+                  <a:prstTxWarp prst="textNoShape">
+                    <a:avLst/>
+                  </a:prstTxWarp>
+                  <a:noAutofit/>
+                </a:bodyPr>
+                <a:lstStyle/>
+                <a:p>
+                  <a:pPr algn="ctr" defTabSz="913825" fontAlgn="base">
+                    <a:spcBef>
+                      <a:spcPct val="0"/>
+                    </a:spcBef>
+                    <a:spcAft>
+                      <a:spcPct val="0"/>
+                    </a:spcAft>
+                  </a:pPr>
+                  <a:endParaRPr lang="en-US" sz="1600" dirty="0">
+                    <a:gradFill>
+                      <a:gsLst>
+                        <a:gs pos="0">
+                          <a:srgbClr val="FFFFFF"/>
+                        </a:gs>
+                        <a:gs pos="100000">
+                          <a:srgbClr val="FFFFFF"/>
+                        </a:gs>
+                      </a:gsLst>
+                      <a:lin ang="5400000" scaled="0"/>
+                    </a:gradFill>
+                    <a:ea typeface="Segoe UI" pitchFamily="34" charset="0"/>
+                    <a:cs typeface="Segoe UI" pitchFamily="34" charset="0"/>
+                  </a:endParaRPr>
+                </a:p>
+              </p:txBody>
+            </p:sp>
+            <p:sp>
+              <p:nvSpPr>
+                <p:cNvPr id="56" name="TextBox 55"/>
+                <p:cNvSpPr txBox="1"/>
+                <p:nvPr/>
+              </p:nvSpPr>
+              <p:spPr>
+                <a:xfrm>
+                  <a:off x="7070434" y="2744836"/>
+                  <a:ext cx="333013" cy="256313"/>
+                </a:xfrm>
+                <a:prstGeom prst="rect">
+                  <a:avLst/>
+                </a:prstGeom>
+                <a:noFill/>
+              </p:spPr>
+              <p:txBody>
+                <a:bodyPr wrap="none" lIns="0" tIns="0" rIns="0" bIns="0" rtlCol="0">
+                  <a:spAutoFit/>
+                </a:bodyPr>
+                <a:lstStyle/>
+                <a:p>
+                  <a:r>
+                    <a:rPr lang="fi-FI" sz="1100" spc="-70" dirty="0">
+                      <a:solidFill>
+                        <a:schemeClr val="bg1"/>
+                      </a:solidFill>
+                      <a:effectLst>
+                        <a:outerShdw blurRad="50800" dist="38100" dir="2700000" algn="tl" rotWithShape="0">
+                          <a:schemeClr val="tx2">
+                            <a:alpha val="40000"/>
+                          </a:schemeClr>
+                        </a:outerShdw>
+                      </a:effectLst>
+                    </a:rPr>
+                    <a:t>p</a:t>
+                  </a:r>
+                  <a:r>
+                    <a:rPr lang="fi-FI" sz="1100" spc="-70" dirty="0">
+                      <a:solidFill>
+                        <a:schemeClr val="bg1"/>
+                      </a:solidFill>
+                      <a:effectLst>
+                        <a:outerShdw blurRad="50800" dist="38100" dir="2700000" algn="tl" rotWithShape="0">
+                          <a:schemeClr val="tx2">
+                            <a:alpha val="40000"/>
+                          </a:schemeClr>
+                        </a:outerShdw>
+                      </a:effectLst>
+                    </a:rPr>
+                    <a:t>ng</a:t>
+                  </a:r>
+                  <a:endParaRPr lang="en-US" sz="1100" spc="-70" dirty="0">
+                    <a:solidFill>
+                      <a:schemeClr val="bg1"/>
+                    </a:solidFill>
+                    <a:effectLst>
+                      <a:outerShdw blurRad="50800" dist="38100" dir="2700000" algn="tl" rotWithShape="0">
+                        <a:schemeClr val="tx2">
+                          <a:alpha val="40000"/>
+                        </a:schemeClr>
+                      </a:outerShdw>
+                    </a:effectLst>
+                  </a:endParaRPr>
+                </a:p>
+              </p:txBody>
+            </p:sp>
+          </p:grpSp>
+          <p:grpSp>
+            <p:nvGrpSpPr>
+              <p:cNvPr id="38" name="Group 37"/>
+              <p:cNvGrpSpPr>
+                <a:grpSpLocks noChangeAspect="1"/>
+              </p:cNvGrpSpPr>
+              <p:nvPr/>
+            </p:nvGrpSpPr>
+            <p:grpSpPr>
+              <a:xfrm>
+                <a:off x="1940507" y="3558828"/>
+                <a:ext cx="400137" cy="504000"/>
+                <a:chOff x="7583233" y="2275112"/>
+                <a:chExt cx="605872" cy="763139"/>
+              </a:xfrm>
+            </p:grpSpPr>
+            <p:pic>
+              <p:nvPicPr>
+                <p:cNvPr id="49" name="Picture 48"/>
+                <p:cNvPicPr>
+                  <a:picLocks noChangeAspect="1"/>
+                </p:cNvPicPr>
+                <p:nvPr/>
+              </p:nvPicPr>
+              <p:blipFill>
+                <a:blip r:embed="rId6"/>
+                <a:stretch>
+                  <a:fillRect/>
+                </a:stretch>
+              </p:blipFill>
+              <p:spPr>
+                <a:xfrm>
+                  <a:off x="7583233" y="2275112"/>
+                  <a:ext cx="527111" cy="689388"/>
+                </a:xfrm>
+                <a:prstGeom prst="rect">
+                  <a:avLst/>
+                </a:prstGeom>
+              </p:spPr>
+            </p:pic>
+            <p:pic>
+              <p:nvPicPr>
+                <p:cNvPr id="50" name="Picture 49"/>
+                <p:cNvPicPr>
+                  <a:picLocks noChangeAspect="1"/>
+                </p:cNvPicPr>
+                <p:nvPr/>
+              </p:nvPicPr>
+              <p:blipFill>
+                <a:blip r:embed="rId6"/>
+                <a:stretch>
+                  <a:fillRect/>
+                </a:stretch>
+              </p:blipFill>
+              <p:spPr>
+                <a:xfrm>
+                  <a:off x="7661994" y="2348863"/>
+                  <a:ext cx="527111" cy="689388"/>
+                </a:xfrm>
+                <a:prstGeom prst="rect">
+                  <a:avLst/>
+                </a:prstGeom>
+              </p:spPr>
+            </p:pic>
+            <p:sp>
+              <p:nvSpPr>
+                <p:cNvPr id="51" name="Right Triangle 50"/>
+                <p:cNvSpPr/>
+                <p:nvPr/>
+              </p:nvSpPr>
+              <p:spPr bwMode="auto">
+                <a:xfrm>
+                  <a:off x="7705365" y="2373272"/>
+                  <a:ext cx="440367" cy="626130"/>
+                </a:xfrm>
+                <a:prstGeom prst="rtTriangle">
+                  <a:avLst/>
+                </a:prstGeom>
+                <a:solidFill>
+                  <a:schemeClr val="accent5"/>
+                </a:solidFill>
+                <a:ln>
+                  <a:noFill/>
+                  <a:headEnd type="none" w="med" len="med"/>
+                  <a:tailEnd type="none" w="med" len="med"/>
+                </a:ln>
+                <a:effectLst/>
+              </p:spPr>
+              <p:style>
+                <a:lnRef idx="1">
+                  <a:schemeClr val="accent2"/>
+                </a:lnRef>
+                <a:fillRef idx="3">
+                  <a:schemeClr val="accent2"/>
+                </a:fillRef>
+                <a:effectRef idx="2">
+                  <a:schemeClr val="accent2"/>
+                </a:effectRef>
+                <a:fontRef idx="minor">
+                  <a:schemeClr val="lt1"/>
+                </a:fontRef>
+              </p:style>
+              <p:txBody>
+                <a:bodyPr rot="0" spcFirstLastPara="0" vertOverflow="overflow" horzOverflow="overflow" vert="horz" wrap="square" lIns="45708" tIns="45708" rIns="45708" bIns="45708" numCol="1" spcCol="0" rtlCol="0" fromWordArt="0" anchor="ctr" anchorCtr="0" forceAA="0" compatLnSpc="1">
+                  <a:prstTxWarp prst="textNoShape">
+                    <a:avLst/>
+                  </a:prstTxWarp>
+                  <a:noAutofit/>
+                </a:bodyPr>
+                <a:lstStyle/>
+                <a:p>
+                  <a:pPr algn="ctr" defTabSz="913825" fontAlgn="base">
+                    <a:spcBef>
+                      <a:spcPct val="0"/>
+                    </a:spcBef>
+                    <a:spcAft>
+                      <a:spcPct val="0"/>
+                    </a:spcAft>
+                  </a:pPr>
+                  <a:endParaRPr lang="en-US" sz="1600" dirty="0">
+                    <a:gradFill>
+                      <a:gsLst>
+                        <a:gs pos="0">
+                          <a:srgbClr val="FFFFFF"/>
+                        </a:gs>
+                        <a:gs pos="100000">
+                          <a:srgbClr val="FFFFFF"/>
+                        </a:gs>
+                      </a:gsLst>
+                      <a:lin ang="5400000" scaled="0"/>
+                    </a:gradFill>
+                    <a:ea typeface="Segoe UI" pitchFamily="34" charset="0"/>
+                    <a:cs typeface="Segoe UI" pitchFamily="34" charset="0"/>
+                  </a:endParaRPr>
+                </a:p>
+              </p:txBody>
+            </p:sp>
+            <p:sp>
+              <p:nvSpPr>
+                <p:cNvPr id="52" name="TextBox 51"/>
+                <p:cNvSpPr txBox="1"/>
+                <p:nvPr/>
+              </p:nvSpPr>
+              <p:spPr>
+                <a:xfrm>
+                  <a:off x="7727283" y="2744836"/>
+                  <a:ext cx="367964" cy="256313"/>
+                </a:xfrm>
+                <a:prstGeom prst="rect">
+                  <a:avLst/>
+                </a:prstGeom>
+                <a:noFill/>
+              </p:spPr>
+              <p:txBody>
+                <a:bodyPr wrap="none" lIns="0" tIns="0" rIns="0" bIns="0" rtlCol="0">
+                  <a:spAutoFit/>
+                </a:bodyPr>
+                <a:lstStyle/>
+                <a:p>
+                  <a:r>
+                    <a:rPr lang="fi-FI" sz="1100" spc="-70" dirty="0" err="1">
+                      <a:solidFill>
+                        <a:schemeClr val="bg1"/>
+                      </a:solidFill>
+                      <a:effectLst>
+                        <a:outerShdw blurRad="50800" dist="38100" dir="2700000" algn="tl" rotWithShape="0">
+                          <a:schemeClr val="tx2">
+                            <a:alpha val="40000"/>
+                          </a:schemeClr>
+                        </a:outerShdw>
+                      </a:effectLst>
+                    </a:rPr>
+                    <a:t>aspx</a:t>
+                  </a:r>
+                  <a:endParaRPr lang="en-US" sz="1100" spc="-70" dirty="0">
+                    <a:solidFill>
+                      <a:schemeClr val="bg1"/>
+                    </a:solidFill>
+                    <a:effectLst>
+                      <a:outerShdw blurRad="50800" dist="38100" dir="2700000" algn="tl" rotWithShape="0">
+                        <a:schemeClr val="tx2">
+                          <a:alpha val="40000"/>
+                        </a:schemeClr>
+                      </a:outerShdw>
+                    </a:effectLst>
+                  </a:endParaRPr>
+                </a:p>
+              </p:txBody>
+            </p:sp>
+          </p:grpSp>
+          <p:grpSp>
+            <p:nvGrpSpPr>
+              <p:cNvPr id="39" name="Group 38"/>
+              <p:cNvGrpSpPr>
+                <a:grpSpLocks noChangeAspect="1"/>
+              </p:cNvGrpSpPr>
+              <p:nvPr/>
+            </p:nvGrpSpPr>
+            <p:grpSpPr>
+              <a:xfrm>
+                <a:off x="2618857" y="3788428"/>
+                <a:ext cx="409562" cy="504000"/>
+                <a:chOff x="8228898" y="2273094"/>
+                <a:chExt cx="621781" cy="765157"/>
+              </a:xfrm>
+            </p:grpSpPr>
+            <p:pic>
+              <p:nvPicPr>
+                <p:cNvPr id="45" name="Picture 44"/>
+                <p:cNvPicPr>
+                  <a:picLocks noChangeAspect="1"/>
+                </p:cNvPicPr>
+                <p:nvPr/>
+              </p:nvPicPr>
+              <p:blipFill>
+                <a:blip r:embed="rId6"/>
+                <a:stretch>
+                  <a:fillRect/>
+                </a:stretch>
+              </p:blipFill>
+              <p:spPr>
+                <a:xfrm>
+                  <a:off x="8228898" y="2273094"/>
+                  <a:ext cx="527111" cy="689388"/>
+                </a:xfrm>
+                <a:prstGeom prst="rect">
+                  <a:avLst/>
+                </a:prstGeom>
+              </p:spPr>
+            </p:pic>
+            <p:pic>
+              <p:nvPicPr>
+                <p:cNvPr id="46" name="Picture 45"/>
+                <p:cNvPicPr>
+                  <a:picLocks noChangeAspect="1"/>
+                </p:cNvPicPr>
+                <p:nvPr/>
+              </p:nvPicPr>
+              <p:blipFill>
+                <a:blip r:embed="rId6"/>
+                <a:stretch>
+                  <a:fillRect/>
+                </a:stretch>
+              </p:blipFill>
+              <p:spPr>
+                <a:xfrm>
+                  <a:off x="8323568" y="2348863"/>
+                  <a:ext cx="527111" cy="689388"/>
+                </a:xfrm>
+                <a:prstGeom prst="rect">
+                  <a:avLst/>
+                </a:prstGeom>
+              </p:spPr>
+            </p:pic>
+            <p:sp>
+              <p:nvSpPr>
+                <p:cNvPr id="47" name="Right Triangle 46"/>
+                <p:cNvSpPr/>
+                <p:nvPr/>
+              </p:nvSpPr>
+              <p:spPr bwMode="auto">
+                <a:xfrm>
+                  <a:off x="8366939" y="2373272"/>
+                  <a:ext cx="440367" cy="626130"/>
+                </a:xfrm>
+                <a:prstGeom prst="rtTriangle">
+                  <a:avLst/>
+                </a:prstGeom>
+                <a:solidFill>
+                  <a:schemeClr val="accent2"/>
+                </a:solidFill>
+                <a:ln>
+                  <a:noFill/>
+                  <a:headEnd type="none" w="med" len="med"/>
+                  <a:tailEnd type="none" w="med" len="med"/>
+                </a:ln>
+                <a:effectLst/>
+              </p:spPr>
+              <p:style>
+                <a:lnRef idx="1">
+                  <a:schemeClr val="accent2"/>
+                </a:lnRef>
+                <a:fillRef idx="3">
+                  <a:schemeClr val="accent2"/>
+                </a:fillRef>
+                <a:effectRef idx="2">
+                  <a:schemeClr val="accent2"/>
+                </a:effectRef>
+                <a:fontRef idx="minor">
+                  <a:schemeClr val="lt1"/>
+                </a:fontRef>
+              </p:style>
+              <p:txBody>
+                <a:bodyPr rot="0" spcFirstLastPara="0" vertOverflow="overflow" horzOverflow="overflow" vert="horz" wrap="square" lIns="45708" tIns="45708" rIns="45708" bIns="45708" numCol="1" spcCol="0" rtlCol="0" fromWordArt="0" anchor="ctr" anchorCtr="0" forceAA="0" compatLnSpc="1">
+                  <a:prstTxWarp prst="textNoShape">
+                    <a:avLst/>
+                  </a:prstTxWarp>
+                  <a:noAutofit/>
+                </a:bodyPr>
+                <a:lstStyle/>
+                <a:p>
+                  <a:pPr algn="ctr" defTabSz="913825" fontAlgn="base">
+                    <a:spcBef>
+                      <a:spcPct val="0"/>
+                    </a:spcBef>
+                    <a:spcAft>
+                      <a:spcPct val="0"/>
+                    </a:spcAft>
+                  </a:pPr>
+                  <a:endParaRPr lang="en-US" sz="1600" dirty="0">
+                    <a:gradFill>
+                      <a:gsLst>
+                        <a:gs pos="0">
+                          <a:srgbClr val="FFFFFF"/>
+                        </a:gs>
+                        <a:gs pos="100000">
+                          <a:srgbClr val="FFFFFF"/>
+                        </a:gs>
+                      </a:gsLst>
+                      <a:lin ang="5400000" scaled="0"/>
+                    </a:gradFill>
+                    <a:ea typeface="Segoe UI" pitchFamily="34" charset="0"/>
+                    <a:cs typeface="Segoe UI" pitchFamily="34" charset="0"/>
+                  </a:endParaRPr>
+                </a:p>
+              </p:txBody>
+            </p:sp>
+            <p:sp>
+              <p:nvSpPr>
+                <p:cNvPr id="48" name="TextBox 47"/>
+                <p:cNvSpPr txBox="1"/>
+                <p:nvPr/>
+              </p:nvSpPr>
+              <p:spPr>
+                <a:xfrm>
+                  <a:off x="8385074" y="2783306"/>
+                  <a:ext cx="446325" cy="210265"/>
+                </a:xfrm>
+                <a:prstGeom prst="rect">
+                  <a:avLst/>
+                </a:prstGeom>
+                <a:noFill/>
+              </p:spPr>
+              <p:txBody>
+                <a:bodyPr wrap="none" lIns="0" tIns="0" rIns="0" bIns="0" rtlCol="0">
+                  <a:spAutoFit/>
+                </a:bodyPr>
+                <a:lstStyle/>
+                <a:p>
+                  <a:r>
+                    <a:rPr lang="fi-FI" sz="900" spc="-70" dirty="0" err="1">
+                      <a:solidFill>
+                        <a:schemeClr val="bg1"/>
+                      </a:solidFill>
+                      <a:effectLst>
+                        <a:outerShdw blurRad="50800" dist="38100" dir="2700000" algn="tl" rotWithShape="0">
+                          <a:schemeClr val="tx2">
+                            <a:alpha val="40000"/>
+                          </a:schemeClr>
+                        </a:outerShdw>
+                      </a:effectLst>
+                    </a:rPr>
+                    <a:t>master</a:t>
+                  </a:r>
+                  <a:endParaRPr lang="en-US" sz="900" spc="-70" dirty="0">
+                    <a:solidFill>
+                      <a:schemeClr val="bg1"/>
+                    </a:solidFill>
+                    <a:effectLst>
+                      <a:outerShdw blurRad="50800" dist="38100" dir="2700000" algn="tl" rotWithShape="0">
+                        <a:schemeClr val="tx2">
+                          <a:alpha val="40000"/>
+                        </a:schemeClr>
+                      </a:outerShdw>
+                    </a:effectLst>
+                  </a:endParaRPr>
+                </a:p>
+              </p:txBody>
+            </p:sp>
+          </p:grpSp>
+          <p:grpSp>
+            <p:nvGrpSpPr>
+              <p:cNvPr id="40" name="Group 39"/>
+              <p:cNvGrpSpPr>
+                <a:grpSpLocks noChangeAspect="1"/>
+              </p:cNvGrpSpPr>
+              <p:nvPr/>
+            </p:nvGrpSpPr>
+            <p:grpSpPr>
+              <a:xfrm>
+                <a:off x="2468161" y="4175148"/>
+                <a:ext cx="400137" cy="504000"/>
+                <a:chOff x="8856725" y="2275112"/>
+                <a:chExt cx="605872" cy="763139"/>
+              </a:xfrm>
+            </p:grpSpPr>
+            <p:pic>
+              <p:nvPicPr>
+                <p:cNvPr id="41" name="Picture 40"/>
+                <p:cNvPicPr>
+                  <a:picLocks noChangeAspect="1"/>
+                </p:cNvPicPr>
+                <p:nvPr/>
+              </p:nvPicPr>
+              <p:blipFill>
+                <a:blip r:embed="rId6"/>
+                <a:stretch>
+                  <a:fillRect/>
+                </a:stretch>
+              </p:blipFill>
+              <p:spPr>
+                <a:xfrm>
+                  <a:off x="8856725" y="2275112"/>
+                  <a:ext cx="527111" cy="689388"/>
+                </a:xfrm>
+                <a:prstGeom prst="rect">
+                  <a:avLst/>
+                </a:prstGeom>
+              </p:spPr>
+            </p:pic>
+            <p:pic>
+              <p:nvPicPr>
+                <p:cNvPr id="42" name="Picture 41"/>
+                <p:cNvPicPr>
+                  <a:picLocks noChangeAspect="1"/>
+                </p:cNvPicPr>
+                <p:nvPr/>
+              </p:nvPicPr>
+              <p:blipFill>
+                <a:blip r:embed="rId6"/>
+                <a:stretch>
+                  <a:fillRect/>
+                </a:stretch>
+              </p:blipFill>
+              <p:spPr>
+                <a:xfrm>
+                  <a:off x="8935486" y="2348863"/>
+                  <a:ext cx="527111" cy="689388"/>
+                </a:xfrm>
+                <a:prstGeom prst="rect">
+                  <a:avLst/>
+                </a:prstGeom>
+              </p:spPr>
+            </p:pic>
+            <p:sp>
+              <p:nvSpPr>
+                <p:cNvPr id="43" name="Right Triangle 42"/>
+                <p:cNvSpPr/>
+                <p:nvPr/>
+              </p:nvSpPr>
+              <p:spPr bwMode="auto">
+                <a:xfrm>
+                  <a:off x="8978857" y="2373272"/>
+                  <a:ext cx="440367" cy="626130"/>
+                </a:xfrm>
+                <a:prstGeom prst="rtTriangle">
+                  <a:avLst/>
+                </a:prstGeom>
+                <a:solidFill>
+                  <a:schemeClr val="accent3"/>
+                </a:solidFill>
+                <a:ln>
+                  <a:noFill/>
+                  <a:headEnd type="none" w="med" len="med"/>
+                  <a:tailEnd type="none" w="med" len="med"/>
+                </a:ln>
+                <a:effectLst/>
+              </p:spPr>
+              <p:style>
+                <a:lnRef idx="1">
+                  <a:schemeClr val="accent2"/>
+                </a:lnRef>
+                <a:fillRef idx="3">
+                  <a:schemeClr val="accent2"/>
+                </a:fillRef>
+                <a:effectRef idx="2">
+                  <a:schemeClr val="accent2"/>
+                </a:effectRef>
+                <a:fontRef idx="minor">
+                  <a:schemeClr val="lt1"/>
+                </a:fontRef>
+              </p:style>
+              <p:txBody>
+                <a:bodyPr rot="0" spcFirstLastPara="0" vertOverflow="overflow" horzOverflow="overflow" vert="horz" wrap="square" lIns="45708" tIns="45708" rIns="45708" bIns="45708" numCol="1" spcCol="0" rtlCol="0" fromWordArt="0" anchor="ctr" anchorCtr="0" forceAA="0" compatLnSpc="1">
+                  <a:prstTxWarp prst="textNoShape">
+                    <a:avLst/>
+                  </a:prstTxWarp>
+                  <a:noAutofit/>
+                </a:bodyPr>
+                <a:lstStyle/>
+                <a:p>
+                  <a:pPr algn="ctr" defTabSz="913825" fontAlgn="base">
+                    <a:spcBef>
+                      <a:spcPct val="0"/>
+                    </a:spcBef>
+                    <a:spcAft>
+                      <a:spcPct val="0"/>
+                    </a:spcAft>
+                  </a:pPr>
+                  <a:endParaRPr lang="en-US" sz="1600" dirty="0">
+                    <a:gradFill>
+                      <a:gsLst>
+                        <a:gs pos="0">
+                          <a:srgbClr val="FFFFFF"/>
+                        </a:gs>
+                        <a:gs pos="100000">
+                          <a:srgbClr val="FFFFFF"/>
+                        </a:gs>
+                      </a:gsLst>
+                      <a:lin ang="5400000" scaled="0"/>
+                    </a:gradFill>
+                    <a:ea typeface="Segoe UI" pitchFamily="34" charset="0"/>
+                    <a:cs typeface="Segoe UI" pitchFamily="34" charset="0"/>
+                  </a:endParaRPr>
+                </a:p>
+              </p:txBody>
+            </p:sp>
+            <p:sp>
+              <p:nvSpPr>
+                <p:cNvPr id="44" name="TextBox 43"/>
+                <p:cNvSpPr txBox="1"/>
+                <p:nvPr/>
+              </p:nvSpPr>
+              <p:spPr>
+                <a:xfrm>
+                  <a:off x="9045471" y="2698547"/>
+                  <a:ext cx="154856" cy="326218"/>
+                </a:xfrm>
+                <a:prstGeom prst="rect">
+                  <a:avLst/>
+                </a:prstGeom>
+                <a:noFill/>
+              </p:spPr>
+              <p:txBody>
+                <a:bodyPr wrap="none" lIns="0" tIns="0" rIns="0" bIns="0" rtlCol="0">
+                  <a:spAutoFit/>
+                </a:bodyPr>
+                <a:lstStyle/>
+                <a:p>
+                  <a:pPr algn="r"/>
+                  <a:r>
+                    <a:rPr lang="fi-FI" sz="1400" spc="-70" dirty="0" err="1">
+                      <a:solidFill>
+                        <a:schemeClr val="bg1"/>
+                      </a:solidFill>
+                      <a:effectLst>
+                        <a:outerShdw blurRad="50800" dist="38100" dir="2700000" algn="tl" rotWithShape="0">
+                          <a:schemeClr val="tx2">
+                            <a:alpha val="40000"/>
+                          </a:schemeClr>
+                        </a:outerShdw>
+                      </a:effectLst>
+                    </a:rPr>
+                    <a:t>js</a:t>
+                  </a:r>
+                  <a:endParaRPr lang="en-US" sz="1400" spc="-70" dirty="0">
+                    <a:solidFill>
+                      <a:schemeClr val="bg1"/>
+                    </a:solidFill>
+                    <a:effectLst>
+                      <a:outerShdw blurRad="50800" dist="38100" dir="2700000" algn="tl" rotWithShape="0">
+                        <a:schemeClr val="tx2">
+                          <a:alpha val="40000"/>
+                        </a:schemeClr>
+                      </a:outerShdw>
+                    </a:effectLst>
+                  </a:endParaRPr>
+                </a:p>
+              </p:txBody>
+            </p:sp>
+          </p:grpSp>
+        </p:grpSp>
+        <p:grpSp>
+          <p:nvGrpSpPr>
+            <p:cNvPr id="74" name="Group 73"/>
+            <p:cNvGrpSpPr>
+              <a:grpSpLocks noChangeAspect="1"/>
+            </p:cNvGrpSpPr>
+            <p:nvPr/>
+          </p:nvGrpSpPr>
+          <p:grpSpPr>
+            <a:xfrm>
+              <a:off x="307618" y="2185854"/>
+              <a:ext cx="1897587" cy="1147938"/>
+              <a:chOff x="781287" y="4564525"/>
+              <a:chExt cx="2582491" cy="1562274"/>
+            </a:xfrm>
+          </p:grpSpPr>
+          <p:pic>
+            <p:nvPicPr>
+              <p:cNvPr id="75" name="Picture 74"/>
+              <p:cNvPicPr>
+                <a:picLocks noChangeAspect="1"/>
+              </p:cNvPicPr>
+              <p:nvPr/>
+            </p:nvPicPr>
+            <p:blipFill>
+              <a:blip r:embed="rId7"/>
+              <a:stretch>
+                <a:fillRect/>
+              </a:stretch>
+            </p:blipFill>
+            <p:spPr>
+              <a:xfrm>
+                <a:off x="781287" y="4564525"/>
+                <a:ext cx="1334951" cy="1267414"/>
+              </a:xfrm>
+              <a:prstGeom prst="rect">
+                <a:avLst/>
+              </a:prstGeom>
+            </p:spPr>
+          </p:pic>
+          <p:pic>
+            <p:nvPicPr>
+              <p:cNvPr id="76" name="Picture 75"/>
+              <p:cNvPicPr>
+                <a:picLocks noChangeAspect="1"/>
+              </p:cNvPicPr>
+              <p:nvPr/>
+            </p:nvPicPr>
+            <p:blipFill>
+              <a:blip r:embed="rId8"/>
+              <a:stretch>
+                <a:fillRect/>
+              </a:stretch>
+            </p:blipFill>
+            <p:spPr>
+              <a:xfrm>
+                <a:off x="2722844" y="5169800"/>
+                <a:ext cx="640934" cy="956999"/>
+              </a:xfrm>
+              <a:prstGeom prst="rect">
+                <a:avLst/>
+              </a:prstGeom>
+            </p:spPr>
+          </p:pic>
+          <p:pic>
+            <p:nvPicPr>
+              <p:cNvPr id="77" name="Picture 76"/>
+              <p:cNvPicPr>
+                <a:picLocks noChangeAspect="1"/>
+              </p:cNvPicPr>
+              <p:nvPr/>
+            </p:nvPicPr>
+            <p:blipFill>
+              <a:blip r:embed="rId9"/>
+              <a:stretch>
+                <a:fillRect/>
+              </a:stretch>
+            </p:blipFill>
+            <p:spPr>
+              <a:xfrm>
+                <a:off x="1625422" y="5341440"/>
+                <a:ext cx="963439" cy="699247"/>
+              </a:xfrm>
+              <a:prstGeom prst="rect">
+                <a:avLst/>
+              </a:prstGeom>
+            </p:spPr>
+          </p:pic>
+          <p:pic>
+            <p:nvPicPr>
+              <p:cNvPr id="78" name="Picture 77"/>
+              <p:cNvPicPr>
+                <a:picLocks noChangeAspect="1"/>
+              </p:cNvPicPr>
+              <p:nvPr/>
+            </p:nvPicPr>
+            <p:blipFill>
+              <a:blip r:embed="rId10"/>
+              <a:stretch>
+                <a:fillRect/>
+              </a:stretch>
+            </p:blipFill>
+            <p:spPr>
+              <a:xfrm>
+                <a:off x="2087010" y="4919651"/>
+                <a:ext cx="907928" cy="658958"/>
+              </a:xfrm>
+              <a:prstGeom prst="rect">
+                <a:avLst/>
+              </a:prstGeom>
+            </p:spPr>
+          </p:pic>
+        </p:grpSp>
+        <p:grpSp>
+          <p:nvGrpSpPr>
+            <p:cNvPr id="81" name="Group 80"/>
+            <p:cNvGrpSpPr/>
+            <p:nvPr/>
+          </p:nvGrpSpPr>
+          <p:grpSpPr>
+            <a:xfrm>
+              <a:off x="2893616" y="3175761"/>
+              <a:ext cx="7263082" cy="3439831"/>
+              <a:chOff x="3106882" y="3001637"/>
+              <a:chExt cx="7264974" cy="3440727"/>
+            </a:xfrm>
+          </p:grpSpPr>
+          <p:sp>
+            <p:nvSpPr>
+              <p:cNvPr id="79" name="Rounded Rectangle 78"/>
+              <p:cNvSpPr/>
+              <p:nvPr/>
+            </p:nvSpPr>
+            <p:spPr>
+              <a:xfrm>
+                <a:off x="3106882" y="3001637"/>
+                <a:ext cx="7264974" cy="3440727"/>
+              </a:xfrm>
+              <a:prstGeom prst="roundRect">
+                <a:avLst/>
+              </a:prstGeom>
+              <a:solidFill>
+                <a:schemeClr val="bg2">
+                  <a:lumMod val="20000"/>
+                  <a:lumOff val="80000"/>
+                  <a:alpha val="75000"/>
+                </a:schemeClr>
+              </a:solidFill>
+              <a:ln>
+                <a:headEnd type="none" w="med" len="med"/>
+                <a:tailEnd type="none" w="med" len="med"/>
+              </a:ln>
+            </p:spPr>
+            <p:style>
+              <a:lnRef idx="2">
+                <a:schemeClr val="accent5"/>
+              </a:lnRef>
+              <a:fillRef idx="1">
+                <a:schemeClr val="lt1"/>
+              </a:fillRef>
+              <a:effectRef idx="0">
+                <a:schemeClr val="accent5"/>
+              </a:effectRef>
+              <a:fontRef idx="minor">
+                <a:schemeClr val="dk1"/>
+              </a:fontRef>
+            </p:style>
+            <p:txBody>
+              <a:bodyPr rot="0" spcFirstLastPara="0" vertOverflow="overflow" horzOverflow="overflow" vert="horz" wrap="square" lIns="107972" tIns="45708" rIns="45708" bIns="45708" numCol="1" spcCol="0" rtlCol="0" fromWordArt="0" anchor="t" anchorCtr="0" forceAA="0" compatLnSpc="1">
+                <a:prstTxWarp prst="textNoShape">
+                  <a:avLst/>
+                </a:prstTxWarp>
+                <a:noAutofit/>
+              </a:bodyPr>
+              <a:lstStyle/>
+              <a:p>
+                <a:pPr defTabSz="913825" fontAlgn="base">
+                  <a:spcBef>
+                    <a:spcPct val="0"/>
+                  </a:spcBef>
+                  <a:spcAft>
+                    <a:spcPct val="0"/>
+                  </a:spcAft>
+                </a:pPr>
+                <a:endParaRPr lang="en-US" sz="1999">
+                  <a:solidFill>
+                    <a:schemeClr val="tx1">
+                      <a:lumMod val="65000"/>
+                      <a:lumOff val="35000"/>
+                    </a:schemeClr>
+                  </a:solidFill>
+                  <a:ea typeface="Segoe UI" pitchFamily="34" charset="0"/>
+                  <a:cs typeface="Segoe UI" pitchFamily="34" charset="0"/>
+                </a:endParaRPr>
+              </a:p>
+            </p:txBody>
+          </p:sp>
+          <p:grpSp>
+            <p:nvGrpSpPr>
+              <p:cNvPr id="12" name="Group 11"/>
+              <p:cNvGrpSpPr/>
+              <p:nvPr/>
+            </p:nvGrpSpPr>
+            <p:grpSpPr>
+              <a:xfrm>
+                <a:off x="3410155" y="4717793"/>
+                <a:ext cx="1540807" cy="945087"/>
+                <a:chOff x="9105662" y="1148235"/>
+                <a:chExt cx="1803580" cy="1106264"/>
+              </a:xfrm>
+            </p:grpSpPr>
+            <p:pic>
+              <p:nvPicPr>
+                <p:cNvPr id="13" name="Picture 12"/>
+                <p:cNvPicPr>
+                  <a:picLocks noChangeAspect="1"/>
+                </p:cNvPicPr>
+                <p:nvPr/>
+              </p:nvPicPr>
+              <p:blipFill>
+                <a:blip r:embed="rId11"/>
+                <a:stretch>
+                  <a:fillRect/>
+                </a:stretch>
+              </p:blipFill>
+              <p:spPr>
+                <a:xfrm>
+                  <a:off x="9586780" y="1148235"/>
+                  <a:ext cx="841328" cy="775240"/>
+                </a:xfrm>
+                <a:prstGeom prst="rect">
+                  <a:avLst/>
+                </a:prstGeom>
+              </p:spPr>
+            </p:pic>
+            <p:sp>
+              <p:nvSpPr>
+                <p:cNvPr id="14" name="TextBox 13"/>
+                <p:cNvSpPr txBox="1"/>
+                <p:nvPr/>
+              </p:nvSpPr>
+              <p:spPr>
+                <a:xfrm>
+                  <a:off x="9105662" y="1930410"/>
+                  <a:ext cx="1803580" cy="324089"/>
+                </a:xfrm>
+                <a:prstGeom prst="rect">
+                  <a:avLst/>
+                </a:prstGeom>
+                <a:noFill/>
+              </p:spPr>
+              <p:txBody>
+                <a:bodyPr wrap="none" lIns="0" tIns="0" rIns="0" bIns="0" rtlCol="0">
+                  <a:spAutoFit/>
+                </a:bodyPr>
+                <a:lstStyle/>
+                <a:p>
+                  <a:pPr algn="ctr"/>
+                  <a:r>
+                    <a:rPr lang="en-US" sz="1799" spc="-70" dirty="0">
+                      <a:solidFill>
+                        <a:schemeClr val="bg1">
+                          <a:lumMod val="50000"/>
+                        </a:schemeClr>
+                      </a:solidFill>
+                    </a:rPr>
+                    <a:t>List and Libraries</a:t>
+                  </a:r>
+                </a:p>
+              </p:txBody>
+            </p:sp>
+          </p:grpSp>
+          <p:sp>
+            <p:nvSpPr>
+              <p:cNvPr id="28" name="Rounded Rectangle 27"/>
+              <p:cNvSpPr/>
+              <p:nvPr/>
+            </p:nvSpPr>
+            <p:spPr>
+              <a:xfrm>
+                <a:off x="5229980" y="4300820"/>
+                <a:ext cx="4499264" cy="1963882"/>
+              </a:xfrm>
+              <a:prstGeom prst="roundRect">
+                <a:avLst/>
+              </a:prstGeom>
+              <a:solidFill>
+                <a:schemeClr val="accent1">
+                  <a:lumMod val="20000"/>
+                  <a:lumOff val="80000"/>
+                </a:schemeClr>
+              </a:solidFill>
+            </p:spPr>
+            <p:style>
+              <a:lnRef idx="1">
+                <a:schemeClr val="accent1"/>
+              </a:lnRef>
+              <a:fillRef idx="2">
+                <a:schemeClr val="accent1"/>
+              </a:fillRef>
+              <a:effectRef idx="1">
+                <a:schemeClr val="accent1"/>
+              </a:effectRef>
+              <a:fontRef idx="minor">
+                <a:schemeClr val="dk1"/>
+              </a:fontRef>
+            </p:style>
+            <p:txBody>
+              <a:bodyPr rtlCol="0" anchor="ctr"/>
+              <a:lstStyle/>
+              <a:p>
+                <a:pPr algn="ctr"/>
+                <a:endParaRPr lang="en-US" sz="1799"/>
+              </a:p>
+            </p:txBody>
+          </p:sp>
+          <p:grpSp>
+            <p:nvGrpSpPr>
+              <p:cNvPr id="27" name="Group 26"/>
+              <p:cNvGrpSpPr/>
+              <p:nvPr/>
+            </p:nvGrpSpPr>
+            <p:grpSpPr>
+              <a:xfrm>
+                <a:off x="5572713" y="4741404"/>
+                <a:ext cx="3783182" cy="954177"/>
+                <a:chOff x="3327057" y="5127709"/>
+                <a:chExt cx="3783182" cy="954177"/>
+              </a:xfrm>
+            </p:grpSpPr>
+            <p:grpSp>
+              <p:nvGrpSpPr>
+                <p:cNvPr id="15" name="Group 14"/>
+                <p:cNvGrpSpPr/>
+                <p:nvPr/>
+              </p:nvGrpSpPr>
+              <p:grpSpPr>
+                <a:xfrm>
+                  <a:off x="3327057" y="5135048"/>
+                  <a:ext cx="900568" cy="946838"/>
+                  <a:chOff x="9711243" y="2768132"/>
+                  <a:chExt cx="1054152" cy="1108314"/>
+                </a:xfrm>
+              </p:grpSpPr>
+              <p:pic>
+                <p:nvPicPr>
+                  <p:cNvPr id="16" name="Picture 15"/>
+                  <p:cNvPicPr>
+                    <a:picLocks noChangeAspect="1"/>
+                  </p:cNvPicPr>
+                  <p:nvPr/>
+                </p:nvPicPr>
+                <p:blipFill>
+                  <a:blip r:embed="rId12"/>
+                  <a:stretch>
+                    <a:fillRect/>
+                  </a:stretch>
+                </p:blipFill>
+                <p:spPr>
+                  <a:xfrm>
+                    <a:off x="9946304" y="2768132"/>
+                    <a:ext cx="584010" cy="487200"/>
+                  </a:xfrm>
+                  <a:prstGeom prst="rect">
+                    <a:avLst/>
+                  </a:prstGeom>
+                </p:spPr>
+              </p:pic>
+              <p:sp>
+                <p:nvSpPr>
+                  <p:cNvPr id="17" name="TextBox 16"/>
+                  <p:cNvSpPr txBox="1"/>
+                  <p:nvPr/>
+                </p:nvSpPr>
+                <p:spPr>
+                  <a:xfrm>
+                    <a:off x="9711243" y="3228268"/>
+                    <a:ext cx="1054152" cy="648178"/>
+                  </a:xfrm>
+                  <a:prstGeom prst="rect">
+                    <a:avLst/>
+                  </a:prstGeom>
+                  <a:noFill/>
+                </p:spPr>
+                <p:txBody>
+                  <a:bodyPr wrap="none" lIns="0" tIns="0" rIns="0" bIns="0" rtlCol="0">
+                    <a:spAutoFit/>
+                  </a:bodyPr>
+                  <a:lstStyle/>
+                  <a:p>
+                    <a:pPr algn="ctr"/>
+                    <a:r>
+                      <a:rPr lang="en-US" sz="1799" spc="-70" dirty="0">
+                        <a:solidFill>
+                          <a:schemeClr val="tx1">
+                            <a:lumMod val="65000"/>
+                            <a:lumOff val="35000"/>
+                          </a:schemeClr>
+                        </a:solidFill>
+                      </a:rPr>
+                      <a:t>Managed</a:t>
+                    </a:r>
+                  </a:p>
+                  <a:p>
+                    <a:pPr algn="ctr"/>
+                    <a:r>
+                      <a:rPr lang="en-US" sz="1799" spc="-70" dirty="0">
+                        <a:solidFill>
+                          <a:schemeClr val="tx1">
+                            <a:lumMod val="65000"/>
+                            <a:lumOff val="35000"/>
+                          </a:schemeClr>
+                        </a:solidFill>
+                      </a:rPr>
+                      <a:t>Metadata</a:t>
+                    </a:r>
+                  </a:p>
+                </p:txBody>
+              </p:sp>
+            </p:grpSp>
+            <p:grpSp>
+              <p:nvGrpSpPr>
+                <p:cNvPr id="18" name="Group 17"/>
+                <p:cNvGrpSpPr/>
+                <p:nvPr/>
+              </p:nvGrpSpPr>
+              <p:grpSpPr>
+                <a:xfrm>
+                  <a:off x="4345982" y="5127709"/>
+                  <a:ext cx="661336" cy="946838"/>
+                  <a:chOff x="9851258" y="2768132"/>
+                  <a:chExt cx="774121" cy="1108314"/>
+                </a:xfrm>
+              </p:grpSpPr>
+              <p:pic>
+                <p:nvPicPr>
+                  <p:cNvPr id="19" name="Picture 18"/>
+                  <p:cNvPicPr>
+                    <a:picLocks noChangeAspect="1"/>
+                  </p:cNvPicPr>
+                  <p:nvPr/>
+                </p:nvPicPr>
+                <p:blipFill>
+                  <a:blip r:embed="rId12"/>
+                  <a:stretch>
+                    <a:fillRect/>
+                  </a:stretch>
+                </p:blipFill>
+                <p:spPr>
+                  <a:xfrm>
+                    <a:off x="9946304" y="2768132"/>
+                    <a:ext cx="584010" cy="487200"/>
+                  </a:xfrm>
+                  <a:prstGeom prst="rect">
+                    <a:avLst/>
+                  </a:prstGeom>
+                </p:spPr>
+              </p:pic>
+              <p:sp>
+                <p:nvSpPr>
+                  <p:cNvPr id="20" name="TextBox 19"/>
+                  <p:cNvSpPr txBox="1"/>
+                  <p:nvPr/>
+                </p:nvSpPr>
+                <p:spPr>
+                  <a:xfrm>
+                    <a:off x="9851258" y="3228268"/>
+                    <a:ext cx="774121" cy="648178"/>
+                  </a:xfrm>
+                  <a:prstGeom prst="rect">
+                    <a:avLst/>
+                  </a:prstGeom>
+                  <a:noFill/>
+                </p:spPr>
+                <p:txBody>
+                  <a:bodyPr wrap="none" lIns="0" tIns="0" rIns="0" bIns="0" rtlCol="0">
+                    <a:spAutoFit/>
+                  </a:bodyPr>
+                  <a:lstStyle/>
+                  <a:p>
+                    <a:pPr algn="ctr"/>
+                    <a:r>
+                      <a:rPr lang="en-US" sz="1799" spc="-70" dirty="0">
+                        <a:solidFill>
+                          <a:schemeClr val="tx1">
+                            <a:lumMod val="65000"/>
+                            <a:lumOff val="35000"/>
+                          </a:schemeClr>
+                        </a:solidFill>
+                      </a:rPr>
+                      <a:t>Search</a:t>
+                    </a:r>
+                  </a:p>
+                  <a:p>
+                    <a:pPr algn="ctr"/>
+                    <a:r>
+                      <a:rPr lang="en-US" sz="1799" spc="-70" dirty="0">
+                        <a:solidFill>
+                          <a:schemeClr val="tx1">
+                            <a:lumMod val="65000"/>
+                            <a:lumOff val="35000"/>
+                          </a:schemeClr>
+                        </a:solidFill>
+                      </a:rPr>
+                      <a:t>Service</a:t>
+                    </a:r>
+                  </a:p>
+                </p:txBody>
+              </p:sp>
+            </p:grpSp>
+            <p:grpSp>
+              <p:nvGrpSpPr>
+                <p:cNvPr id="21" name="Group 20"/>
+                <p:cNvGrpSpPr/>
+                <p:nvPr/>
+              </p:nvGrpSpPr>
+              <p:grpSpPr>
+                <a:xfrm>
+                  <a:off x="5259549" y="5127709"/>
+                  <a:ext cx="897298" cy="946838"/>
+                  <a:chOff x="9713157" y="2768132"/>
+                  <a:chExt cx="1050326" cy="1108314"/>
+                </a:xfrm>
+              </p:grpSpPr>
+              <p:pic>
+                <p:nvPicPr>
+                  <p:cNvPr id="22" name="Picture 21"/>
+                  <p:cNvPicPr>
+                    <a:picLocks noChangeAspect="1"/>
+                  </p:cNvPicPr>
+                  <p:nvPr/>
+                </p:nvPicPr>
+                <p:blipFill>
+                  <a:blip r:embed="rId12"/>
+                  <a:stretch>
+                    <a:fillRect/>
+                  </a:stretch>
+                </p:blipFill>
+                <p:spPr>
+                  <a:xfrm>
+                    <a:off x="9946304" y="2768132"/>
+                    <a:ext cx="584010" cy="487200"/>
+                  </a:xfrm>
+                  <a:prstGeom prst="rect">
+                    <a:avLst/>
+                  </a:prstGeom>
+                </p:spPr>
+              </p:pic>
+              <p:sp>
+                <p:nvSpPr>
+                  <p:cNvPr id="23" name="TextBox 22"/>
+                  <p:cNvSpPr txBox="1"/>
+                  <p:nvPr/>
+                </p:nvSpPr>
+                <p:spPr>
+                  <a:xfrm>
+                    <a:off x="9713157" y="3228268"/>
+                    <a:ext cx="1050326" cy="648178"/>
+                  </a:xfrm>
+                  <a:prstGeom prst="rect">
+                    <a:avLst/>
+                  </a:prstGeom>
+                  <a:noFill/>
+                </p:spPr>
+                <p:txBody>
+                  <a:bodyPr wrap="none" lIns="0" tIns="0" rIns="0" bIns="0" rtlCol="0">
+                    <a:spAutoFit/>
+                  </a:bodyPr>
+                  <a:lstStyle/>
+                  <a:p>
+                    <a:pPr algn="ctr"/>
+                    <a:r>
+                      <a:rPr lang="en-US" sz="1799" spc="-70" dirty="0">
+                        <a:solidFill>
+                          <a:schemeClr val="tx1">
+                            <a:lumMod val="65000"/>
+                            <a:lumOff val="35000"/>
+                          </a:schemeClr>
+                        </a:solidFill>
+                      </a:rPr>
+                      <a:t>Workflow</a:t>
+                    </a:r>
+                  </a:p>
+                  <a:p>
+                    <a:pPr algn="ctr"/>
+                    <a:r>
+                      <a:rPr lang="en-US" sz="1799" spc="-70" dirty="0">
+                        <a:solidFill>
+                          <a:schemeClr val="tx1">
+                            <a:lumMod val="65000"/>
+                            <a:lumOff val="35000"/>
+                          </a:schemeClr>
+                        </a:solidFill>
+                      </a:rPr>
+                      <a:t>Service</a:t>
+                    </a:r>
+                  </a:p>
+                </p:txBody>
+              </p:sp>
+            </p:grpSp>
+            <p:grpSp>
+              <p:nvGrpSpPr>
+                <p:cNvPr id="24" name="Group 23"/>
+                <p:cNvGrpSpPr/>
+                <p:nvPr/>
+              </p:nvGrpSpPr>
+              <p:grpSpPr>
+                <a:xfrm>
+                  <a:off x="6611316" y="5135046"/>
+                  <a:ext cx="498923" cy="669967"/>
+                  <a:chOff x="9946304" y="2768132"/>
+                  <a:chExt cx="584010" cy="784225"/>
+                </a:xfrm>
+              </p:grpSpPr>
+              <p:pic>
+                <p:nvPicPr>
+                  <p:cNvPr id="25" name="Picture 24"/>
+                  <p:cNvPicPr>
+                    <a:picLocks noChangeAspect="1"/>
+                  </p:cNvPicPr>
+                  <p:nvPr/>
+                </p:nvPicPr>
+                <p:blipFill>
+                  <a:blip r:embed="rId12"/>
+                  <a:stretch>
+                    <a:fillRect/>
+                  </a:stretch>
+                </p:blipFill>
+                <p:spPr>
+                  <a:xfrm>
+                    <a:off x="9946304" y="2768132"/>
+                    <a:ext cx="584010" cy="487200"/>
+                  </a:xfrm>
+                  <a:prstGeom prst="rect">
+                    <a:avLst/>
+                  </a:prstGeom>
+                </p:spPr>
+              </p:pic>
+              <p:sp>
+                <p:nvSpPr>
+                  <p:cNvPr id="26" name="TextBox 25"/>
+                  <p:cNvSpPr txBox="1"/>
+                  <p:nvPr/>
+                </p:nvSpPr>
+                <p:spPr>
+                  <a:xfrm>
+                    <a:off x="10021409" y="3228268"/>
+                    <a:ext cx="433820" cy="324089"/>
+                  </a:xfrm>
+                  <a:prstGeom prst="rect">
+                    <a:avLst/>
+                  </a:prstGeom>
+                  <a:noFill/>
+                </p:spPr>
+                <p:txBody>
+                  <a:bodyPr wrap="none" lIns="0" tIns="0" rIns="0" bIns="0" rtlCol="0">
+                    <a:spAutoFit/>
+                  </a:bodyPr>
+                  <a:lstStyle/>
+                  <a:p>
+                    <a:pPr algn="ctr"/>
+                    <a:r>
+                      <a:rPr lang="en-US" sz="1799" spc="-70" dirty="0">
+                        <a:solidFill>
+                          <a:schemeClr val="tx1">
+                            <a:lumMod val="65000"/>
+                            <a:lumOff val="35000"/>
+                          </a:schemeClr>
+                        </a:solidFill>
+                      </a:rPr>
+                      <a:t>BCS</a:t>
+                    </a:r>
+                  </a:p>
+                </p:txBody>
+              </p:sp>
+            </p:grpSp>
+          </p:grpSp>
+          <p:sp>
+            <p:nvSpPr>
+              <p:cNvPr id="29" name="TextBox 28"/>
+              <p:cNvSpPr txBox="1"/>
+              <p:nvPr/>
+            </p:nvSpPr>
+            <p:spPr>
+              <a:xfrm>
+                <a:off x="6389216" y="5795603"/>
+                <a:ext cx="2224904" cy="369204"/>
+              </a:xfrm>
+              <a:prstGeom prst="rect">
+                <a:avLst/>
+              </a:prstGeom>
+              <a:noFill/>
+            </p:spPr>
+            <p:txBody>
+              <a:bodyPr wrap="none" rtlCol="0">
+                <a:spAutoFit/>
+              </a:bodyPr>
+              <a:lstStyle/>
+              <a:p>
+                <a:r>
+                  <a:rPr lang="en-US" sz="1799" dirty="0">
+                    <a:solidFill>
+                      <a:schemeClr val="tx1">
+                        <a:lumMod val="50000"/>
+                        <a:lumOff val="50000"/>
+                      </a:schemeClr>
+                    </a:solidFill>
+                  </a:rPr>
+                  <a:t>Service Applications</a:t>
+                </a:r>
+                <a:endParaRPr lang="en-US" sz="1799" dirty="0">
+                  <a:solidFill>
+                    <a:schemeClr val="tx1">
+                      <a:lumMod val="50000"/>
+                      <a:lumOff val="50000"/>
+                    </a:schemeClr>
+                  </a:solidFill>
+                </a:endParaRPr>
+              </a:p>
+            </p:txBody>
+          </p:sp>
+          <p:sp>
+            <p:nvSpPr>
+              <p:cNvPr id="31" name="Rectangle 30"/>
+              <p:cNvSpPr/>
+              <p:nvPr/>
+            </p:nvSpPr>
+            <p:spPr bwMode="auto">
+              <a:xfrm>
+                <a:off x="3511094" y="3623828"/>
+                <a:ext cx="6222165" cy="403166"/>
+              </a:xfrm>
+              <a:prstGeom prst="rect">
+                <a:avLst/>
+              </a:prstGeom>
+              <a:solidFill>
+                <a:schemeClr val="accent1">
+                  <a:lumMod val="20000"/>
+                  <a:lumOff val="80000"/>
+                </a:schemeClr>
+              </a:solidFill>
+            </p:spPr>
+            <p:style>
+              <a:lnRef idx="1">
+                <a:schemeClr val="accent1"/>
+              </a:lnRef>
+              <a:fillRef idx="2">
+                <a:schemeClr val="accent1"/>
+              </a:fillRef>
+              <a:effectRef idx="1">
+                <a:schemeClr val="accent1"/>
+              </a:effectRef>
+              <a:fontRef idx="minor">
+                <a:schemeClr val="dk1"/>
+              </a:fontRef>
+            </p:style>
+            <p:txBody>
+              <a:bodyPr rot="0" spcFirstLastPara="0" vertOverflow="overflow" horzOverflow="overflow" vert="horz" wrap="square" lIns="91416" tIns="45708" rIns="91416" bIns="45708" numCol="1" spcCol="0" rtlCol="0" fromWordArt="0" anchor="ctr" anchorCtr="0" forceAA="0" compatLnSpc="1">
+                <a:prstTxWarp prst="textNoShape">
+                  <a:avLst/>
+                </a:prstTxWarp>
+                <a:noAutofit/>
+              </a:bodyPr>
+              <a:lstStyle/>
+              <a:p>
+                <a:pPr algn="ctr"/>
+                <a:r>
+                  <a:rPr lang="en-US" sz="1600" dirty="0">
+                    <a:solidFill>
+                      <a:schemeClr val="tx1">
+                        <a:lumMod val="50000"/>
+                        <a:lumOff val="50000"/>
+                      </a:schemeClr>
+                    </a:solidFill>
+                  </a:rPr>
+                  <a:t>SharePoint API</a:t>
+                </a:r>
+                <a:endParaRPr lang="en-US" sz="1600" dirty="0">
+                  <a:solidFill>
+                    <a:schemeClr val="tx1">
+                      <a:lumMod val="50000"/>
+                      <a:lumOff val="50000"/>
+                    </a:schemeClr>
+                  </a:solidFill>
+                </a:endParaRPr>
+              </a:p>
+            </p:txBody>
+          </p:sp>
+          <p:sp>
+            <p:nvSpPr>
+              <p:cNvPr id="64" name="Oval 63"/>
+              <p:cNvSpPr/>
+              <p:nvPr/>
+            </p:nvSpPr>
+            <p:spPr>
+              <a:xfrm>
+                <a:off x="5734172" y="3138291"/>
+                <a:ext cx="218209" cy="190693"/>
+              </a:xfrm>
+              <a:prstGeom prst="ellipse">
+                <a:avLst/>
+              </a:prstGeom>
+            </p:spPr>
+            <p:style>
+              <a:lnRef idx="2">
+                <a:schemeClr val="accent1">
+                  <a:shade val="50000"/>
+                </a:schemeClr>
+              </a:lnRef>
+              <a:fillRef idx="1">
+                <a:schemeClr val="accent1"/>
+              </a:fillRef>
+              <a:effectRef idx="0">
+                <a:schemeClr val="accent1"/>
+              </a:effectRef>
+              <a:fontRef idx="minor">
+                <a:schemeClr val="lt1"/>
+              </a:fontRef>
+            </p:style>
+            <p:txBody>
+              <a:bodyPr rtlCol="0" anchor="ctr"/>
+              <a:lstStyle/>
+              <a:p>
+                <a:pPr algn="ctr"/>
+                <a:endParaRPr lang="en-US" sz="1799"/>
+              </a:p>
+            </p:txBody>
+          </p:sp>
+          <p:sp>
+            <p:nvSpPr>
+              <p:cNvPr id="65" name="Oval 64"/>
+              <p:cNvSpPr/>
+              <p:nvPr/>
+            </p:nvSpPr>
+            <p:spPr>
+              <a:xfrm>
+                <a:off x="7261403" y="3137072"/>
+                <a:ext cx="218209" cy="190693"/>
+              </a:xfrm>
+              <a:prstGeom prst="ellipse">
+                <a:avLst/>
+              </a:prstGeom>
+            </p:spPr>
+            <p:style>
+              <a:lnRef idx="2">
+                <a:schemeClr val="accent1">
+                  <a:shade val="50000"/>
+                </a:schemeClr>
+              </a:lnRef>
+              <a:fillRef idx="1">
+                <a:schemeClr val="accent1"/>
+              </a:fillRef>
+              <a:effectRef idx="0">
+                <a:schemeClr val="accent1"/>
+              </a:effectRef>
+              <a:fontRef idx="minor">
+                <a:schemeClr val="lt1"/>
+              </a:fontRef>
+            </p:style>
+            <p:txBody>
+              <a:bodyPr rtlCol="0" anchor="ctr"/>
+              <a:lstStyle/>
+              <a:p>
+                <a:pPr algn="ctr"/>
+                <a:endParaRPr lang="en-US" sz="1799"/>
+              </a:p>
+            </p:txBody>
+          </p:sp>
+          <p:cxnSp>
+            <p:nvCxnSpPr>
+              <p:cNvPr id="67" name="Straight Connector 66"/>
+              <p:cNvCxnSpPr/>
+              <p:nvPr/>
+            </p:nvCxnSpPr>
+            <p:spPr>
+              <a:xfrm flipH="1">
+                <a:off x="5843276" y="3316913"/>
+                <a:ext cx="2" cy="296406"/>
+              </a:xfrm>
+              <a:prstGeom prst="line">
+                <a:avLst/>
+              </a:prstGeom>
+            </p:spPr>
+            <p:style>
+              <a:lnRef idx="1">
+                <a:schemeClr val="accent1"/>
+              </a:lnRef>
+              <a:fillRef idx="0">
+                <a:schemeClr val="accent1"/>
+              </a:fillRef>
+              <a:effectRef idx="0">
+                <a:schemeClr val="accent1"/>
+              </a:effectRef>
+              <a:fontRef idx="minor">
+                <a:schemeClr val="tx1"/>
+              </a:fontRef>
+            </p:style>
+          </p:cxnSp>
+          <p:cxnSp>
+            <p:nvCxnSpPr>
+              <p:cNvPr id="71" name="Straight Connector 70"/>
+              <p:cNvCxnSpPr/>
+              <p:nvPr/>
+            </p:nvCxnSpPr>
+            <p:spPr>
+              <a:xfrm flipH="1">
+                <a:off x="7370507" y="3310681"/>
+                <a:ext cx="2" cy="296406"/>
+              </a:xfrm>
+              <a:prstGeom prst="line">
+                <a:avLst/>
+              </a:prstGeom>
+            </p:spPr>
+            <p:style>
+              <a:lnRef idx="1">
+                <a:schemeClr val="accent1"/>
+              </a:lnRef>
+              <a:fillRef idx="0">
+                <a:schemeClr val="accent1"/>
+              </a:fillRef>
+              <a:effectRef idx="0">
+                <a:schemeClr val="accent1"/>
+              </a:effectRef>
+              <a:fontRef idx="minor">
+                <a:schemeClr val="tx1"/>
+              </a:fontRef>
+            </p:style>
+          </p:cxnSp>
+          <p:sp>
+            <p:nvSpPr>
+              <p:cNvPr id="72" name="TextBox 71"/>
+              <p:cNvSpPr txBox="1"/>
+              <p:nvPr/>
+            </p:nvSpPr>
+            <p:spPr>
+              <a:xfrm>
+                <a:off x="5049142" y="3069854"/>
+                <a:ext cx="617477" cy="338554"/>
+              </a:xfrm>
+              <a:prstGeom prst="rect">
+                <a:avLst/>
+              </a:prstGeom>
+              <a:noFill/>
+            </p:spPr>
+            <p:txBody>
+              <a:bodyPr wrap="none" rtlCol="0">
+                <a:spAutoFit/>
+              </a:bodyPr>
+              <a:lstStyle/>
+              <a:p>
+                <a:r>
+                  <a:rPr lang="en-US" sz="1600" i="1" dirty="0">
+                    <a:solidFill>
+                      <a:schemeClr val="bg1">
+                        <a:lumMod val="50000"/>
+                      </a:schemeClr>
+                    </a:solidFill>
+                  </a:rPr>
+                  <a:t>REST</a:t>
+                </a:r>
+                <a:endParaRPr lang="en-US" sz="1600" i="1" dirty="0">
+                  <a:solidFill>
+                    <a:schemeClr val="bg1">
+                      <a:lumMod val="50000"/>
+                    </a:schemeClr>
+                  </a:solidFill>
+                </a:endParaRPr>
+              </a:p>
+            </p:txBody>
+          </p:sp>
+          <p:sp>
+            <p:nvSpPr>
+              <p:cNvPr id="73" name="TextBox 72"/>
+              <p:cNvSpPr txBox="1"/>
+              <p:nvPr/>
+            </p:nvSpPr>
+            <p:spPr>
+              <a:xfrm>
+                <a:off x="6445386" y="3094037"/>
+                <a:ext cx="742511" cy="338554"/>
+              </a:xfrm>
+              <a:prstGeom prst="rect">
+                <a:avLst/>
+              </a:prstGeom>
+              <a:noFill/>
+            </p:spPr>
+            <p:txBody>
+              <a:bodyPr wrap="none" rtlCol="0">
+                <a:spAutoFit/>
+              </a:bodyPr>
+              <a:lstStyle/>
+              <a:p>
+                <a:r>
+                  <a:rPr lang="en-US" sz="1600" i="1" dirty="0">
+                    <a:solidFill>
+                      <a:schemeClr val="bg1">
+                        <a:lumMod val="50000"/>
+                      </a:schemeClr>
+                    </a:solidFill>
+                  </a:rPr>
+                  <a:t>CSOM</a:t>
+                </a:r>
+                <a:endParaRPr lang="en-US" sz="1600" i="1" dirty="0">
+                  <a:solidFill>
+                    <a:schemeClr val="bg1">
+                      <a:lumMod val="50000"/>
+                    </a:schemeClr>
+                  </a:solidFill>
+                </a:endParaRPr>
+              </a:p>
+            </p:txBody>
+          </p:sp>
+          <p:sp>
+            <p:nvSpPr>
+              <p:cNvPr id="80" name="TextBox 79"/>
+              <p:cNvSpPr txBox="1"/>
+              <p:nvPr/>
+            </p:nvSpPr>
+            <p:spPr>
+              <a:xfrm>
+                <a:off x="3536968" y="3064703"/>
+                <a:ext cx="1271117" cy="369204"/>
+              </a:xfrm>
+              <a:prstGeom prst="rect">
+                <a:avLst/>
+              </a:prstGeom>
+              <a:noFill/>
+            </p:spPr>
+            <p:txBody>
+              <a:bodyPr wrap="none" rtlCol="0">
+                <a:spAutoFit/>
+              </a:bodyPr>
+              <a:lstStyle/>
+              <a:p>
+                <a:r>
+                  <a:rPr lang="en-US" sz="1799" dirty="0">
+                    <a:solidFill>
+                      <a:schemeClr val="tx1">
+                        <a:lumMod val="65000"/>
+                        <a:lumOff val="35000"/>
+                      </a:schemeClr>
+                    </a:solidFill>
+                    <a:ea typeface="Segoe UI" pitchFamily="34" charset="0"/>
+                    <a:cs typeface="Segoe UI" pitchFamily="34" charset="0"/>
+                  </a:rPr>
+                  <a:t>SharePoint</a:t>
+                </a:r>
+                <a:endParaRPr lang="en-US" sz="1799" dirty="0"/>
+              </a:p>
+            </p:txBody>
+          </p:sp>
+        </p:grpSp>
+        <p:cxnSp>
+          <p:nvCxnSpPr>
+            <p:cNvPr id="82" name="Straight Arrow Connector 81"/>
+            <p:cNvCxnSpPr/>
+            <p:nvPr/>
+          </p:nvCxnSpPr>
+          <p:spPr>
+            <a:xfrm flipV="1">
+              <a:off x="2078767" y="1939983"/>
+              <a:ext cx="931868" cy="506813"/>
+            </a:xfrm>
+            <a:prstGeom prst="straightConnector1">
+              <a:avLst/>
+            </a:prstGeom>
+            <a:ln w="41275">
+              <a:solidFill>
+                <a:schemeClr val="bg1">
+                  <a:lumMod val="65000"/>
+                </a:schemeClr>
+              </a:solidFill>
+              <a:prstDash val="sysDash"/>
+              <a:tailEnd type="stealth" w="lg" len="lg"/>
+            </a:ln>
+            <a:effectLst/>
+          </p:spPr>
+          <p:style>
+            <a:lnRef idx="1">
+              <a:schemeClr val="accent4"/>
+            </a:lnRef>
+            <a:fillRef idx="0">
+              <a:schemeClr val="accent4"/>
+            </a:fillRef>
+            <a:effectRef idx="0">
+              <a:schemeClr val="accent4"/>
+            </a:effectRef>
+            <a:fontRef idx="minor">
+              <a:schemeClr val="tx1"/>
+            </a:fontRef>
+          </p:style>
+        </p:cxnSp>
+        <p:cxnSp>
+          <p:nvCxnSpPr>
+            <p:cNvPr id="88" name="Straight Arrow Connector 87"/>
+            <p:cNvCxnSpPr/>
+            <p:nvPr/>
+          </p:nvCxnSpPr>
+          <p:spPr>
+            <a:xfrm>
+              <a:off x="1473522" y="3445339"/>
+              <a:ext cx="1256266" cy="1115975"/>
+            </a:xfrm>
+            <a:prstGeom prst="straightConnector1">
+              <a:avLst/>
+            </a:prstGeom>
+            <a:ln w="41275">
+              <a:solidFill>
+                <a:schemeClr val="bg1">
+                  <a:lumMod val="65000"/>
+                </a:schemeClr>
+              </a:solidFill>
+              <a:prstDash val="sysDash"/>
+              <a:tailEnd type="stealth" w="lg" len="lg"/>
+            </a:ln>
+            <a:effectLst/>
+          </p:spPr>
+          <p:style>
+            <a:lnRef idx="1">
+              <a:schemeClr val="accent4"/>
+            </a:lnRef>
+            <a:fillRef idx="0">
+              <a:schemeClr val="accent4"/>
+            </a:fillRef>
+            <a:effectRef idx="0">
+              <a:schemeClr val="accent4"/>
+            </a:effectRef>
+            <a:fontRef idx="minor">
+              <a:schemeClr val="tx1"/>
+            </a:fontRef>
+          </p:style>
+        </p:cxnSp>
+        <p:cxnSp>
+          <p:nvCxnSpPr>
+            <p:cNvPr id="90" name="Straight Arrow Connector 89"/>
+            <p:cNvCxnSpPr/>
+            <p:nvPr/>
+          </p:nvCxnSpPr>
+          <p:spPr>
+            <a:xfrm flipV="1">
+              <a:off x="6957431" y="995576"/>
+              <a:ext cx="1384295" cy="491358"/>
+            </a:xfrm>
+            <a:prstGeom prst="straightConnector1">
+              <a:avLst/>
+            </a:prstGeom>
+            <a:ln w="41275">
+              <a:solidFill>
+                <a:schemeClr val="bg1">
+                  <a:lumMod val="65000"/>
+                </a:schemeClr>
+              </a:solidFill>
+              <a:prstDash val="sysDash"/>
+              <a:tailEnd type="stealth" w="lg" len="lg"/>
+            </a:ln>
+            <a:effectLst/>
+          </p:spPr>
+          <p:style>
+            <a:lnRef idx="1">
+              <a:schemeClr val="accent4"/>
+            </a:lnRef>
+            <a:fillRef idx="0">
+              <a:schemeClr val="accent4"/>
+            </a:fillRef>
+            <a:effectRef idx="0">
+              <a:schemeClr val="accent4"/>
+            </a:effectRef>
+            <a:fontRef idx="minor">
+              <a:schemeClr val="tx1"/>
+            </a:fontRef>
+          </p:style>
+        </p:cxnSp>
+        <p:cxnSp>
+          <p:nvCxnSpPr>
+            <p:cNvPr id="92" name="Straight Arrow Connector 91"/>
+            <p:cNvCxnSpPr/>
+            <p:nvPr/>
+          </p:nvCxnSpPr>
+          <p:spPr>
+            <a:xfrm>
+              <a:off x="6957431" y="1901572"/>
+              <a:ext cx="2574519" cy="361596"/>
+            </a:xfrm>
+            <a:prstGeom prst="straightConnector1">
+              <a:avLst/>
+            </a:prstGeom>
+            <a:ln w="41275">
+              <a:solidFill>
+                <a:schemeClr val="bg1">
+                  <a:lumMod val="65000"/>
+                </a:schemeClr>
+              </a:solidFill>
+              <a:prstDash val="sysDash"/>
+              <a:tailEnd type="stealth" w="lg" len="lg"/>
+            </a:ln>
+            <a:effectLst/>
+          </p:spPr>
+          <p:style>
+            <a:lnRef idx="1">
+              <a:schemeClr val="accent4"/>
+            </a:lnRef>
+            <a:fillRef idx="0">
+              <a:schemeClr val="accent4"/>
+            </a:fillRef>
+            <a:effectRef idx="0">
+              <a:schemeClr val="accent4"/>
+            </a:effectRef>
+            <a:fontRef idx="minor">
+              <a:schemeClr val="tx1"/>
+            </a:fontRef>
+          </p:style>
+        </p:cxnSp>
+        <p:cxnSp>
+          <p:nvCxnSpPr>
+            <p:cNvPr id="95" name="Straight Arrow Connector 94"/>
+            <p:cNvCxnSpPr/>
+            <p:nvPr/>
+          </p:nvCxnSpPr>
+          <p:spPr>
+            <a:xfrm flipH="1">
+              <a:off x="5626541" y="2263168"/>
+              <a:ext cx="283121" cy="1021079"/>
+            </a:xfrm>
+            <a:prstGeom prst="straightConnector1">
+              <a:avLst/>
+            </a:prstGeom>
+            <a:ln w="41275">
+              <a:solidFill>
+                <a:schemeClr val="bg1">
+                  <a:lumMod val="65000"/>
+                </a:schemeClr>
+              </a:solidFill>
+              <a:prstDash val="sysDash"/>
+              <a:tailEnd type="stealth" w="lg" len="lg"/>
+            </a:ln>
+            <a:effectLst/>
+          </p:spPr>
+          <p:style>
+            <a:lnRef idx="1">
+              <a:schemeClr val="accent4"/>
+            </a:lnRef>
+            <a:fillRef idx="0">
+              <a:schemeClr val="accent4"/>
+            </a:fillRef>
+            <a:effectRef idx="0">
+              <a:schemeClr val="accent4"/>
+            </a:effectRef>
+            <a:fontRef idx="minor">
+              <a:schemeClr val="tx1"/>
+            </a:fontRef>
+          </p:style>
+        </p:cxnSp>
+        <p:cxnSp>
+          <p:nvCxnSpPr>
+            <p:cNvPr id="99" name="Straight Arrow Connector 98"/>
+            <p:cNvCxnSpPr/>
+            <p:nvPr/>
+          </p:nvCxnSpPr>
+          <p:spPr>
+            <a:xfrm>
+              <a:off x="6525157" y="2299283"/>
+              <a:ext cx="634035" cy="951831"/>
+            </a:xfrm>
+            <a:prstGeom prst="straightConnector1">
+              <a:avLst/>
+            </a:prstGeom>
+            <a:ln w="41275">
+              <a:solidFill>
+                <a:schemeClr val="bg1">
+                  <a:lumMod val="65000"/>
+                </a:schemeClr>
+              </a:solidFill>
+              <a:prstDash val="sysDash"/>
+              <a:tailEnd type="stealth" w="lg" len="lg"/>
+            </a:ln>
+            <a:effectLst/>
+          </p:spPr>
+          <p:style>
+            <a:lnRef idx="1">
+              <a:schemeClr val="accent4"/>
+            </a:lnRef>
+            <a:fillRef idx="0">
+              <a:schemeClr val="accent4"/>
+            </a:fillRef>
+            <a:effectRef idx="0">
+              <a:schemeClr val="accent4"/>
+            </a:effectRef>
+            <a:fontRef idx="minor">
+              <a:schemeClr val="tx1"/>
+            </a:fontRef>
+          </p:style>
+        </p:cxnSp>
+        <p:cxnSp>
+          <p:nvCxnSpPr>
+            <p:cNvPr id="103" name="Elbow Connector 102"/>
+            <p:cNvCxnSpPr/>
+            <p:nvPr/>
+          </p:nvCxnSpPr>
+          <p:spPr>
+            <a:xfrm rot="5400000" flipH="1" flipV="1">
+              <a:off x="8767229" y="3444438"/>
+              <a:ext cx="2158489" cy="1131596"/>
+            </a:xfrm>
+            <a:prstGeom prst="bentConnector3">
+              <a:avLst>
+                <a:gd name="adj1" fmla="val 910"/>
+              </a:avLst>
+            </a:prstGeom>
+            <a:ln w="41275">
+              <a:solidFill>
+                <a:schemeClr val="bg1">
+                  <a:lumMod val="65000"/>
+                </a:schemeClr>
+              </a:solidFill>
+              <a:prstDash val="sysDash"/>
+              <a:tailEnd type="stealth" w="lg" len="lg"/>
+            </a:ln>
+            <a:effectLst/>
+          </p:spPr>
+          <p:style>
+            <a:lnRef idx="1">
+              <a:schemeClr val="accent4"/>
+            </a:lnRef>
+            <a:fillRef idx="0">
+              <a:schemeClr val="accent4"/>
+            </a:fillRef>
+            <a:effectRef idx="0">
+              <a:schemeClr val="accent4"/>
+            </a:effectRef>
+            <a:fontRef idx="minor">
+              <a:schemeClr val="tx1"/>
+            </a:fontRef>
+          </p:style>
+        </p:cxnSp>
+        <p:cxnSp>
+          <p:nvCxnSpPr>
+            <p:cNvPr id="113" name="Straight Arrow Connector 112"/>
+            <p:cNvCxnSpPr/>
+            <p:nvPr/>
+          </p:nvCxnSpPr>
+          <p:spPr>
+            <a:xfrm flipH="1">
+              <a:off x="3888388" y="4121590"/>
+              <a:ext cx="6490" cy="687615"/>
+            </a:xfrm>
+            <a:prstGeom prst="straightConnector1">
+              <a:avLst/>
+            </a:prstGeom>
+            <a:ln w="41275">
+              <a:solidFill>
+                <a:schemeClr val="bg1">
+                  <a:lumMod val="65000"/>
+                </a:schemeClr>
+              </a:solidFill>
+              <a:prstDash val="sysDash"/>
+              <a:tailEnd type="stealth" w="lg" len="lg"/>
+            </a:ln>
+            <a:effectLst/>
+          </p:spPr>
+          <p:style>
+            <a:lnRef idx="1">
+              <a:schemeClr val="accent4"/>
+            </a:lnRef>
+            <a:fillRef idx="0">
+              <a:schemeClr val="accent4"/>
+            </a:fillRef>
+            <a:effectRef idx="0">
+              <a:schemeClr val="accent4"/>
+            </a:effectRef>
+            <a:fontRef idx="minor">
+              <a:schemeClr val="tx1"/>
+            </a:fontRef>
+          </p:style>
+        </p:cxnSp>
+        <p:cxnSp>
+          <p:nvCxnSpPr>
+            <p:cNvPr id="118" name="Straight Arrow Connector 117"/>
+            <p:cNvCxnSpPr/>
+            <p:nvPr/>
+          </p:nvCxnSpPr>
+          <p:spPr>
+            <a:xfrm flipH="1">
+              <a:off x="5749141" y="4136085"/>
+              <a:ext cx="6490" cy="687615"/>
+            </a:xfrm>
+            <a:prstGeom prst="straightConnector1">
+              <a:avLst/>
+            </a:prstGeom>
+            <a:ln w="41275">
+              <a:solidFill>
+                <a:schemeClr val="bg1">
+                  <a:lumMod val="65000"/>
+                </a:schemeClr>
+              </a:solidFill>
+              <a:prstDash val="sysDash"/>
+              <a:tailEnd type="stealth" w="lg" len="lg"/>
+            </a:ln>
+            <a:effectLst/>
+          </p:spPr>
+          <p:style>
+            <a:lnRef idx="1">
+              <a:schemeClr val="accent4"/>
+            </a:lnRef>
+            <a:fillRef idx="0">
+              <a:schemeClr val="accent4"/>
+            </a:fillRef>
+            <a:effectRef idx="0">
+              <a:schemeClr val="accent4"/>
+            </a:effectRef>
+            <a:fontRef idx="minor">
+              <a:schemeClr val="tx1"/>
+            </a:fontRef>
+          </p:style>
+        </p:cxnSp>
+        <p:cxnSp>
+          <p:nvCxnSpPr>
+            <p:cNvPr id="119" name="Straight Arrow Connector 118"/>
+            <p:cNvCxnSpPr/>
+            <p:nvPr/>
+          </p:nvCxnSpPr>
+          <p:spPr>
+            <a:xfrm flipH="1">
+              <a:off x="6672805" y="4136085"/>
+              <a:ext cx="6490" cy="687615"/>
+            </a:xfrm>
+            <a:prstGeom prst="straightConnector1">
+              <a:avLst/>
+            </a:prstGeom>
+            <a:ln w="41275">
+              <a:solidFill>
+                <a:schemeClr val="bg1">
+                  <a:lumMod val="65000"/>
+                </a:schemeClr>
+              </a:solidFill>
+              <a:prstDash val="sysDash"/>
+              <a:tailEnd type="stealth" w="lg" len="lg"/>
+            </a:ln>
+            <a:effectLst/>
+          </p:spPr>
+          <p:style>
+            <a:lnRef idx="1">
+              <a:schemeClr val="accent4"/>
+            </a:lnRef>
+            <a:fillRef idx="0">
+              <a:schemeClr val="accent4"/>
+            </a:fillRef>
+            <a:effectRef idx="0">
+              <a:schemeClr val="accent4"/>
+            </a:effectRef>
+            <a:fontRef idx="minor">
+              <a:schemeClr val="tx1"/>
+            </a:fontRef>
+          </p:style>
+        </p:cxnSp>
+        <p:cxnSp>
+          <p:nvCxnSpPr>
+            <p:cNvPr id="120" name="Straight Arrow Connector 119"/>
+            <p:cNvCxnSpPr/>
+            <p:nvPr/>
+          </p:nvCxnSpPr>
+          <p:spPr>
+            <a:xfrm flipH="1">
+              <a:off x="7674741" y="4136085"/>
+              <a:ext cx="6490" cy="687615"/>
+            </a:xfrm>
+            <a:prstGeom prst="straightConnector1">
+              <a:avLst/>
+            </a:prstGeom>
+            <a:ln w="41275">
+              <a:solidFill>
+                <a:schemeClr val="bg1">
+                  <a:lumMod val="65000"/>
+                </a:schemeClr>
+              </a:solidFill>
+              <a:prstDash val="sysDash"/>
+              <a:tailEnd type="stealth" w="lg" len="lg"/>
+            </a:ln>
+            <a:effectLst/>
+          </p:spPr>
+          <p:style>
+            <a:lnRef idx="1">
+              <a:schemeClr val="accent4"/>
+            </a:lnRef>
+            <a:fillRef idx="0">
+              <a:schemeClr val="accent4"/>
+            </a:fillRef>
+            <a:effectRef idx="0">
+              <a:schemeClr val="accent4"/>
+            </a:effectRef>
+            <a:fontRef idx="minor">
+              <a:schemeClr val="tx1"/>
+            </a:fontRef>
+          </p:style>
+        </p:cxnSp>
+        <p:cxnSp>
+          <p:nvCxnSpPr>
+            <p:cNvPr id="121" name="Straight Arrow Connector 120"/>
+            <p:cNvCxnSpPr/>
+            <p:nvPr/>
+          </p:nvCxnSpPr>
+          <p:spPr>
+            <a:xfrm flipH="1">
+              <a:off x="8834468" y="4147103"/>
+              <a:ext cx="6490" cy="687615"/>
+            </a:xfrm>
+            <a:prstGeom prst="straightConnector1">
+              <a:avLst/>
+            </a:prstGeom>
+            <a:ln w="41275">
+              <a:solidFill>
+                <a:schemeClr val="bg1">
+                  <a:lumMod val="65000"/>
+                </a:schemeClr>
+              </a:solidFill>
+              <a:prstDash val="sysDash"/>
+              <a:tailEnd type="stealth" w="lg" len="lg"/>
+            </a:ln>
+            <a:effectLst/>
+          </p:spPr>
+          <p:style>
+            <a:lnRef idx="1">
+              <a:schemeClr val="accent4"/>
+            </a:lnRef>
+            <a:fillRef idx="0">
+              <a:schemeClr val="accent4"/>
+            </a:fillRef>
+            <a:effectRef idx="0">
+              <a:schemeClr val="accent4"/>
+            </a:effectRef>
+            <a:fontRef idx="minor">
+              <a:schemeClr val="tx1"/>
+            </a:fontRef>
+          </p:style>
+        </p:cxnSp>
+      </p:grpSp>
+      <p:sp>
+        <p:nvSpPr>
+          <p:cNvPr id="2" name="Title 1"/>
+          <p:cNvSpPr>
+            <a:spLocks noGrp="1"/>
+          </p:cNvSpPr>
+          <p:nvPr>
+            <p:ph type="title"/>
+          </p:nvPr>
+        </p:nvSpPr>
+        <p:spPr/>
+        <p:txBody>
+          <a:bodyPr/>
+          <a:lstStyle/>
+          <a:p>
+            <a:r>
+              <a:rPr lang="en-US" dirty="0"/>
+              <a:t>SharePoint App Building Blocks</a:t>
+            </a:r>
+          </a:p>
+        </p:txBody>
+      </p:sp>
+    </p:spTree>
+    <p:extLst>
+      <p:ext uri="{BB962C8B-B14F-4D97-AF65-F5344CB8AC3E}">
+        <p14:creationId xmlns:p14="http://schemas.microsoft.com/office/powerpoint/2010/main" val="2025661865"/>
+      </p:ext>
+    </p:extLst>
+  </p:cSld>
+  <p:clrMapOvr>
+    <a:masterClrMapping/>
+  </p:clrMapOvr>
+  <p:transition>
+    <p:fade/>
+  </p:transition>
+  <p:timing>
+    <p:tnLst>
+      <p:par>
+        <p:cTn id="1" dur="indefinite" restart="never" nodeType="tmRoot"/>
+      </p:par>
+    </p:tnLst>
+  </p:timing>
+</p:sld>
+</file>
+
+<file path=ppt/slides/slide5.xml><?xml version="1.0" encoding="utf-8"?>
+<p:sld xmlns:a="http://schemas.openxmlformats.org/drawingml/2006/main" xmlns:r="http://schemas.openxmlformats.org/officeDocument/2006/relationships" xmlns:p="http://schemas.openxmlformats.org/presentationml/2006/main">
+  <p:cSld>
+    <p:spTree>
+      <p:nvGrpSpPr>
+        <p:cNvPr id="1" name=""/>
+        <p:cNvGrpSpPr/>
+        <p:nvPr/>
+      </p:nvGrpSpPr>
+      <p:grpSpPr>
+        <a:xfrm>
+          <a:off x="0" y="0"/>
+          <a:ext cx="0" cy="0"/>
+          <a:chOff x="0" y="0"/>
+          <a:chExt cx="0" cy="0"/>
+        </a:xfrm>
+      </p:grpSpPr>
+      <p:sp>
+        <p:nvSpPr>
+          <p:cNvPr id="2" name="Title 1"/>
+          <p:cNvSpPr>
+            <a:spLocks noGrp="1"/>
+          </p:cNvSpPr>
+          <p:nvPr>
+            <p:ph type="title"/>
+          </p:nvPr>
+        </p:nvSpPr>
+        <p:spPr/>
+        <p:txBody>
+          <a:bodyPr/>
+          <a:lstStyle/>
+          <a:p>
+            <a:r>
+              <a:rPr lang="en-US" dirty="0" smtClean="0"/>
+              <a:t>Why Use SharePoint Storage?</a:t>
+            </a:r>
+            <a:endParaRPr lang="en-US" dirty="0"/>
+          </a:p>
+        </p:txBody>
+      </p:sp>
+      <p:sp>
+        <p:nvSpPr>
+          <p:cNvPr id="3" name="Text Placeholder 2"/>
+          <p:cNvSpPr>
+            <a:spLocks noGrp="1"/>
+          </p:cNvSpPr>
+          <p:nvPr>
+            <p:ph type="body" sz="quarter" idx="10"/>
+          </p:nvPr>
+        </p:nvSpPr>
+        <p:spPr/>
+        <p:txBody>
+          <a:bodyPr/>
+          <a:lstStyle/>
+          <a:p>
+            <a:r>
+              <a:rPr lang="en-US" dirty="0" smtClean="0"/>
+              <a:t>Gain control over data storage and validation</a:t>
+            </a:r>
+          </a:p>
+          <a:p>
+            <a:r>
+              <a:rPr lang="en-US" dirty="0" smtClean="0"/>
+              <a:t>Leverage SharePoint UI to view, modify and search through content</a:t>
+            </a:r>
+          </a:p>
+          <a:p>
+            <a:r>
+              <a:rPr lang="en-US" dirty="0" smtClean="0"/>
+              <a:t>Make content more searchable to users</a:t>
+            </a:r>
+          </a:p>
+          <a:p>
+            <a:r>
+              <a:rPr lang="en-US" dirty="0" smtClean="0"/>
+              <a:t>Reduce/eliminate dependencies </a:t>
+            </a:r>
+            <a:r>
+              <a:rPr lang="en-US" smtClean="0"/>
+              <a:t>on external storage </a:t>
+            </a:r>
+            <a:endParaRPr lang="en-US" dirty="0"/>
+          </a:p>
+        </p:txBody>
+      </p:sp>
+      <p:sp>
+        <p:nvSpPr>
+          <p:cNvPr id="4" name="Slide Number Placeholder 3"/>
+          <p:cNvSpPr>
+            <a:spLocks noGrp="1"/>
+          </p:cNvSpPr>
+          <p:nvPr>
+            <p:ph type="sldNum" sz="quarter" idx="12"/>
+          </p:nvPr>
+        </p:nvSpPr>
+        <p:spPr/>
+        <p:txBody>
+          <a:bodyPr/>
+          <a:lstStyle/>
+          <a:p>
+            <a:fld id="{727B4C2D-45E2-4621-8491-2995EB46A674}" type="slidenum">
+              <a:rPr lang="en-US" smtClean="0"/>
+              <a:pPr/>
+              <a:t>5</a:t>
+            </a:fld>
+            <a:endParaRPr lang="en-US" dirty="0"/>
+          </a:p>
+        </p:txBody>
+      </p:sp>
+    </p:spTree>
+    <p:extLst>
+      <p:ext uri="{BB962C8B-B14F-4D97-AF65-F5344CB8AC3E}">
+        <p14:creationId xmlns:p14="http://schemas.microsoft.com/office/powerpoint/2010/main" val="2148486709"/>
+      </p:ext>
+    </p:extLst>
+  </p:cSld>
+  <p:clrMapOvr>
+    <a:masterClrMapping/>
+  </p:clrMapOvr>
+  <p:transition>
+    <p:fade/>
+  </p:transition>
+</p:sld>
+</file>
+
+<file path=ppt/slides/slide6.xml><?xml version="1.0" encoding="utf-8"?>
+<p:sld xmlns:a="http://schemas.openxmlformats.org/drawingml/2006/main" xmlns:r="http://schemas.openxmlformats.org/officeDocument/2006/relationships" xmlns:p="http://schemas.openxmlformats.org/presentationml/2006/main">
+  <p:cSld>
+    <p:spTree>
+      <p:nvGrpSpPr>
+        <p:cNvPr id="1" name=""/>
+        <p:cNvGrpSpPr/>
+        <p:nvPr/>
+      </p:nvGrpSpPr>
+      <p:grpSpPr>
+        <a:xfrm>
+          <a:off x="0" y="0"/>
+          <a:ext cx="0" cy="0"/>
+          <a:chOff x="0" y="0"/>
+          <a:chExt cx="0" cy="0"/>
+        </a:xfrm>
+      </p:grpSpPr>
       <p:sp>
         <p:nvSpPr>
           <p:cNvPr id="2" name="Title 1"/>
@@ -21093,7 +24768,7 @@
 </p:sld>
 </file>
 
-<file path=ppt/slides/slide5.xml><?xml version="1.0" encoding="utf-8"?>
+<file path=ppt/slides/slide7.xml><?xml version="1.0" encoding="utf-8"?>
 <p:sld xmlns:a="http://schemas.openxmlformats.org/drawingml/2006/main" xmlns:r="http://schemas.openxmlformats.org/officeDocument/2006/relationships" xmlns:p="http://schemas.openxmlformats.org/presentationml/2006/main">
   <p:cSld>
     <p:spTree>
@@ -21253,7 +24928,7 @@
 </p:sld>
 </file>
 
-<file path=ppt/slides/slide6.xml><?xml version="1.0" encoding="utf-8"?>
+<file path=ppt/slides/slide8.xml><?xml version="1.0" encoding="utf-8"?>
 <p:sld xmlns:a="http://schemas.openxmlformats.org/drawingml/2006/main" xmlns:r="http://schemas.openxmlformats.org/officeDocument/2006/relationships" xmlns:p="http://schemas.openxmlformats.org/presentationml/2006/main">
   <p:cSld>
     <p:spTree>
@@ -21401,7 +25076,7 @@
 </p:sld>
 </file>
 
-<file path=ppt/slides/slide7.xml><?xml version="1.0" encoding="utf-8"?>
+<file path=ppt/slides/slide9.xml><?xml version="1.0" encoding="utf-8"?>
 <p:sld xmlns:a="http://schemas.openxmlformats.org/drawingml/2006/main" xmlns:r="http://schemas.openxmlformats.org/officeDocument/2006/relationships" xmlns:p="http://schemas.openxmlformats.org/presentationml/2006/main">
   <p:cSld>
     <p:spTree>
@@ -22252,619 +25927,6 @@
       </p:par>
     </p:tnLst>
   </p:timing>
-</p:sld>
-</file>
-
-<file path=ppt/slides/slide8.xml><?xml version="1.0" encoding="utf-8"?>
-<p:sld xmlns:a="http://schemas.openxmlformats.org/drawingml/2006/main" xmlns:r="http://schemas.openxmlformats.org/officeDocument/2006/relationships" xmlns:p="http://schemas.openxmlformats.org/presentationml/2006/main">
-  <p:cSld>
-    <p:spTree>
-      <p:nvGrpSpPr>
-        <p:cNvPr id="1" name=""/>
-        <p:cNvGrpSpPr/>
-        <p:nvPr/>
-      </p:nvGrpSpPr>
-      <p:grpSpPr>
-        <a:xfrm>
-          <a:off x="0" y="0"/>
-          <a:ext cx="0" cy="0"/>
-          <a:chOff x="0" y="0"/>
-          <a:chExt cx="0" cy="0"/>
-        </a:xfrm>
-      </p:grpSpPr>
-      <p:sp>
-        <p:nvSpPr>
-          <p:cNvPr id="53" name="Rectangle 52"/>
-          <p:cNvSpPr/>
-          <p:nvPr/>
-        </p:nvSpPr>
-        <p:spPr>
-          <a:xfrm>
-            <a:off x="2707896" y="3581401"/>
-            <a:ext cx="4605717" cy="1680251"/>
-          </a:xfrm>
-          <a:prstGeom prst="rect">
-            <a:avLst/>
-          </a:prstGeom>
-          <a:solidFill>
-            <a:schemeClr val="accent3">
-              <a:lumMod val="20000"/>
-              <a:lumOff val="80000"/>
-            </a:schemeClr>
-          </a:solidFill>
-        </p:spPr>
-        <p:style>
-          <a:lnRef idx="2">
-            <a:schemeClr val="accent1">
-              <a:shade val="50000"/>
-            </a:schemeClr>
-          </a:lnRef>
-          <a:fillRef idx="1">
-            <a:schemeClr val="accent1"/>
-          </a:fillRef>
-          <a:effectRef idx="0">
-            <a:schemeClr val="accent1"/>
-          </a:effectRef>
-          <a:fontRef idx="minor">
-            <a:schemeClr val="lt1"/>
-          </a:fontRef>
-        </p:style>
-        <p:txBody>
-          <a:bodyPr rtlCol="0" anchor="t" anchorCtr="0"/>
-          <a:lstStyle/>
-          <a:p>
-            <a:r>
-              <a:rPr lang="en-US" sz="1400" dirty="0">
-                <a:solidFill>
-                  <a:schemeClr val="tx1"/>
-                </a:solidFill>
-              </a:rPr>
-              <a:t>SharePoint-supplied content types</a:t>
-            </a:r>
-          </a:p>
-        </p:txBody>
-      </p:sp>
-      <p:sp>
-        <p:nvSpPr>
-          <p:cNvPr id="47" name="Rectangle 46"/>
-          <p:cNvSpPr/>
-          <p:nvPr/>
-        </p:nvSpPr>
-        <p:spPr>
-          <a:xfrm>
-            <a:off x="2707896" y="5397453"/>
-            <a:ext cx="4605717" cy="1271763"/>
-          </a:xfrm>
-          <a:prstGeom prst="rect">
-            <a:avLst/>
-          </a:prstGeom>
-          <a:solidFill>
-            <a:schemeClr val="accent5">
-              <a:lumMod val="20000"/>
-              <a:lumOff val="80000"/>
-            </a:schemeClr>
-          </a:solidFill>
-          <a:ln w="6350">
-            <a:solidFill>
-              <a:schemeClr val="tx1"/>
-            </a:solidFill>
-          </a:ln>
-        </p:spPr>
-        <p:style>
-          <a:lnRef idx="2">
-            <a:schemeClr val="accent1">
-              <a:shade val="50000"/>
-            </a:schemeClr>
-          </a:lnRef>
-          <a:fillRef idx="1">
-            <a:schemeClr val="accent1"/>
-          </a:fillRef>
-          <a:effectRef idx="0">
-            <a:schemeClr val="accent1"/>
-          </a:effectRef>
-          <a:fontRef idx="minor">
-            <a:schemeClr val="lt1"/>
-          </a:fontRef>
-        </p:style>
-        <p:txBody>
-          <a:bodyPr rtlCol="0" anchor="b" anchorCtr="0"/>
-          <a:lstStyle/>
-          <a:p>
-            <a:r>
-              <a:rPr lang="en-US" sz="1400" dirty="0">
-                <a:solidFill>
-                  <a:schemeClr val="tx1"/>
-                </a:solidFill>
-              </a:rPr>
-              <a:t>Custom content types</a:t>
-            </a:r>
-          </a:p>
-        </p:txBody>
-      </p:sp>
-      <p:sp>
-        <p:nvSpPr>
-          <p:cNvPr id="2" name="Title 1"/>
-          <p:cNvSpPr>
-            <a:spLocks noGrp="1"/>
-          </p:cNvSpPr>
-          <p:nvPr>
-            <p:ph type="title"/>
-          </p:nvPr>
-        </p:nvSpPr>
-        <p:spPr/>
-        <p:txBody>
-          <a:bodyPr/>
-          <a:lstStyle/>
-          <a:p>
-            <a:r>
-              <a:rPr lang="en-US" smtClean="0"/>
-              <a:t>Creating Custom Content Types</a:t>
-            </a:r>
-            <a:endParaRPr lang="en-US" dirty="0"/>
-          </a:p>
-        </p:txBody>
-      </p:sp>
-      <p:sp>
-        <p:nvSpPr>
-          <p:cNvPr id="24" name="Content Placeholder 23"/>
-          <p:cNvSpPr>
-            <a:spLocks noGrp="1"/>
-          </p:cNvSpPr>
-          <p:nvPr>
-            <p:ph idx="1"/>
-          </p:nvPr>
-        </p:nvSpPr>
-        <p:spPr/>
-        <p:txBody>
-          <a:bodyPr>
-            <a:normAutofit/>
-          </a:bodyPr>
-          <a:lstStyle/>
-          <a:p>
-            <a:r>
-              <a:rPr lang="en-US" sz="2400" dirty="0"/>
-              <a:t>Creating a custom content type</a:t>
-            </a:r>
-          </a:p>
-          <a:p>
-            <a:pPr lvl="1"/>
-            <a:r>
-              <a:rPr lang="en-US" sz="2000" dirty="0"/>
-              <a:t>Select a content type name</a:t>
-            </a:r>
-          </a:p>
-          <a:p>
-            <a:pPr lvl="1"/>
-            <a:r>
-              <a:rPr lang="en-US" sz="2000" dirty="0"/>
-              <a:t>Select a parent content type to inherit from</a:t>
-            </a:r>
-          </a:p>
-          <a:p>
-            <a:pPr lvl="1"/>
-            <a:r>
-              <a:rPr lang="en-US" sz="2000" dirty="0"/>
-              <a:t>Add whatever site columns are required</a:t>
-            </a:r>
-          </a:p>
-          <a:p>
-            <a:pPr lvl="1"/>
-            <a:r>
-              <a:rPr lang="en-US" sz="2000" dirty="0"/>
-              <a:t>Configure content type settings</a:t>
-            </a:r>
-          </a:p>
-          <a:p>
-            <a:pPr lvl="1"/>
-            <a:endParaRPr lang="en-US" sz="2000" dirty="0"/>
-          </a:p>
-        </p:txBody>
-      </p:sp>
-      <p:sp>
-        <p:nvSpPr>
-          <p:cNvPr id="4" name="Rectangle 3"/>
-          <p:cNvSpPr/>
-          <p:nvPr/>
-        </p:nvSpPr>
-        <p:spPr>
-          <a:xfrm>
-            <a:off x="2941399" y="3978793"/>
-            <a:ext cx="1936061" cy="363415"/>
-          </a:xfrm>
-          <a:prstGeom prst="rect">
-            <a:avLst/>
-          </a:prstGeom>
-          <a:solidFill>
-            <a:schemeClr val="bg1">
-              <a:lumMod val="95000"/>
-            </a:schemeClr>
-          </a:solidFill>
-          <a:ln w="6350">
-            <a:solidFill>
-              <a:schemeClr val="tx1"/>
-            </a:solidFill>
-          </a:ln>
-        </p:spPr>
-        <p:style>
-          <a:lnRef idx="2">
-            <a:schemeClr val="accent1">
-              <a:shade val="50000"/>
-            </a:schemeClr>
-          </a:lnRef>
-          <a:fillRef idx="1">
-            <a:schemeClr val="accent1"/>
-          </a:fillRef>
-          <a:effectRef idx="0">
-            <a:schemeClr val="accent1"/>
-          </a:effectRef>
-          <a:fontRef idx="minor">
-            <a:schemeClr val="lt1"/>
-          </a:fontRef>
-        </p:style>
-        <p:txBody>
-          <a:bodyPr rtlCol="0" anchor="ctr"/>
-          <a:lstStyle/>
-          <a:p>
-            <a:pPr algn="ctr"/>
-            <a:r>
-              <a:rPr lang="en-US" sz="1200" b="1" dirty="0">
-                <a:solidFill>
-                  <a:schemeClr val="tx1"/>
-                </a:solidFill>
-              </a:rPr>
-              <a:t>Item</a:t>
-            </a:r>
-          </a:p>
-        </p:txBody>
-      </p:sp>
-      <p:cxnSp>
-        <p:nvCxnSpPr>
-          <p:cNvPr id="6" name="Straight Connector 5"/>
-          <p:cNvCxnSpPr>
-            <a:stCxn id="4" idx="2"/>
-          </p:cNvCxnSpPr>
-          <p:nvPr/>
-        </p:nvCxnSpPr>
-        <p:spPr>
-          <a:xfrm>
-            <a:off x="3909429" y="4342208"/>
-            <a:ext cx="0" cy="1388125"/>
-          </a:xfrm>
-          <a:prstGeom prst="line">
-            <a:avLst/>
-          </a:prstGeom>
-          <a:ln w="38100">
-            <a:headEnd type="none" w="med" len="med"/>
-            <a:tailEnd type="triangle" w="med" len="med"/>
-          </a:ln>
-        </p:spPr>
-        <p:style>
-          <a:lnRef idx="1">
-            <a:schemeClr val="accent1"/>
-          </a:lnRef>
-          <a:fillRef idx="0">
-            <a:schemeClr val="accent1"/>
-          </a:fillRef>
-          <a:effectRef idx="0">
-            <a:schemeClr val="accent1"/>
-          </a:effectRef>
-          <a:fontRef idx="minor">
-            <a:schemeClr val="tx1"/>
-          </a:fontRef>
-        </p:style>
-      </p:cxnSp>
-      <p:cxnSp>
-        <p:nvCxnSpPr>
-          <p:cNvPr id="22" name="Straight Arrow Connector 21"/>
-          <p:cNvCxnSpPr>
-            <a:endCxn id="21" idx="1"/>
-          </p:cNvCxnSpPr>
-          <p:nvPr/>
-        </p:nvCxnSpPr>
-        <p:spPr>
-          <a:xfrm>
-            <a:off x="3887982" y="4698671"/>
-            <a:ext cx="1292030" cy="3320"/>
-          </a:xfrm>
-          <a:prstGeom prst="straightConnector1">
-            <a:avLst/>
-          </a:prstGeom>
-          <a:ln w="38100">
-            <a:tailEnd type="triangle"/>
-          </a:ln>
-        </p:spPr>
-        <p:style>
-          <a:lnRef idx="1">
-            <a:schemeClr val="accent1"/>
-          </a:lnRef>
-          <a:fillRef idx="0">
-            <a:schemeClr val="accent1"/>
-          </a:fillRef>
-          <a:effectRef idx="0">
-            <a:schemeClr val="accent1"/>
-          </a:effectRef>
-          <a:fontRef idx="minor">
-            <a:schemeClr val="tx1"/>
-          </a:fontRef>
-        </p:style>
-      </p:cxnSp>
-      <p:sp>
-        <p:nvSpPr>
-          <p:cNvPr id="33" name="Rectangle 32"/>
-          <p:cNvSpPr/>
-          <p:nvPr/>
-        </p:nvSpPr>
-        <p:spPr>
-          <a:xfrm>
-            <a:off x="2941398" y="5730332"/>
-            <a:ext cx="1936061" cy="363415"/>
-          </a:xfrm>
-          <a:prstGeom prst="rect">
-            <a:avLst/>
-          </a:prstGeom>
-          <a:solidFill>
-            <a:schemeClr val="bg1">
-              <a:lumMod val="75000"/>
-            </a:schemeClr>
-          </a:solidFill>
-          <a:ln w="6350">
-            <a:solidFill>
-              <a:schemeClr val="tx1"/>
-            </a:solidFill>
-          </a:ln>
-        </p:spPr>
-        <p:style>
-          <a:lnRef idx="2">
-            <a:schemeClr val="accent1">
-              <a:shade val="50000"/>
-            </a:schemeClr>
-          </a:lnRef>
-          <a:fillRef idx="1">
-            <a:schemeClr val="accent1"/>
-          </a:fillRef>
-          <a:effectRef idx="0">
-            <a:schemeClr val="accent1"/>
-          </a:effectRef>
-          <a:fontRef idx="minor">
-            <a:schemeClr val="lt1"/>
-          </a:fontRef>
-        </p:style>
-        <p:txBody>
-          <a:bodyPr rtlCol="0" anchor="ctr"/>
-          <a:lstStyle/>
-          <a:p>
-            <a:pPr algn="ctr"/>
-            <a:r>
-              <a:rPr lang="en-US" sz="1200" b="1" dirty="0">
-                <a:solidFill>
-                  <a:schemeClr val="tx1"/>
-                </a:solidFill>
-              </a:rPr>
-              <a:t>Book</a:t>
-            </a:r>
-          </a:p>
-        </p:txBody>
-      </p:sp>
-      <p:sp>
-        <p:nvSpPr>
-          <p:cNvPr id="58" name="Rectangle 57"/>
-          <p:cNvSpPr/>
-          <p:nvPr/>
-        </p:nvSpPr>
-        <p:spPr>
-          <a:xfrm>
-            <a:off x="5180013" y="5730332"/>
-            <a:ext cx="1936061" cy="363415"/>
-          </a:xfrm>
-          <a:prstGeom prst="rect">
-            <a:avLst/>
-          </a:prstGeom>
-          <a:solidFill>
-            <a:schemeClr val="bg1">
-              <a:lumMod val="75000"/>
-            </a:schemeClr>
-          </a:solidFill>
-          <a:ln w="6350">
-            <a:solidFill>
-              <a:schemeClr val="tx1"/>
-            </a:solidFill>
-          </a:ln>
-        </p:spPr>
-        <p:style>
-          <a:lnRef idx="2">
-            <a:schemeClr val="accent1">
-              <a:shade val="50000"/>
-            </a:schemeClr>
-          </a:lnRef>
-          <a:fillRef idx="1">
-            <a:schemeClr val="accent1"/>
-          </a:fillRef>
-          <a:effectRef idx="0">
-            <a:schemeClr val="accent1"/>
-          </a:effectRef>
-          <a:fontRef idx="minor">
-            <a:schemeClr val="lt1"/>
-          </a:fontRef>
-        </p:style>
-        <p:txBody>
-          <a:bodyPr rtlCol="0" anchor="ctr"/>
-          <a:lstStyle/>
-          <a:p>
-            <a:pPr algn="ctr"/>
-            <a:r>
-              <a:rPr lang="en-US" sz="1200" b="1" dirty="0">
-                <a:solidFill>
-                  <a:schemeClr val="tx1"/>
-                </a:solidFill>
-              </a:rPr>
-              <a:t>Book Cover Image</a:t>
-            </a:r>
-          </a:p>
-        </p:txBody>
-      </p:sp>
-      <p:sp>
-        <p:nvSpPr>
-          <p:cNvPr id="21" name="Rectangle 20"/>
-          <p:cNvSpPr/>
-          <p:nvPr/>
-        </p:nvSpPr>
-        <p:spPr>
-          <a:xfrm>
-            <a:off x="5180013" y="4520284"/>
-            <a:ext cx="1936061" cy="363415"/>
-          </a:xfrm>
-          <a:prstGeom prst="rect">
-            <a:avLst/>
-          </a:prstGeom>
-          <a:solidFill>
-            <a:schemeClr val="bg1">
-              <a:lumMod val="95000"/>
-            </a:schemeClr>
-          </a:solidFill>
-          <a:ln w="6350">
-            <a:solidFill>
-              <a:schemeClr val="tx1"/>
-            </a:solidFill>
-          </a:ln>
-        </p:spPr>
-        <p:style>
-          <a:lnRef idx="2">
-            <a:schemeClr val="accent1">
-              <a:shade val="50000"/>
-            </a:schemeClr>
-          </a:lnRef>
-          <a:fillRef idx="1">
-            <a:schemeClr val="accent1"/>
-          </a:fillRef>
-          <a:effectRef idx="0">
-            <a:schemeClr val="accent1"/>
-          </a:effectRef>
-          <a:fontRef idx="minor">
-            <a:schemeClr val="lt1"/>
-          </a:fontRef>
-        </p:style>
-        <p:txBody>
-          <a:bodyPr rtlCol="0" anchor="ctr"/>
-          <a:lstStyle/>
-          <a:p>
-            <a:pPr algn="ctr"/>
-            <a:r>
-              <a:rPr lang="en-US" sz="1200" b="1" dirty="0">
-                <a:solidFill>
-                  <a:schemeClr val="tx1"/>
-                </a:solidFill>
-              </a:rPr>
-              <a:t>Document</a:t>
-            </a:r>
-          </a:p>
-        </p:txBody>
-      </p:sp>
-      <p:cxnSp>
-        <p:nvCxnSpPr>
-          <p:cNvPr id="35" name="Straight Connector 34"/>
-          <p:cNvCxnSpPr/>
-          <p:nvPr/>
-        </p:nvCxnSpPr>
-        <p:spPr>
-          <a:xfrm flipH="1">
-            <a:off x="6151054" y="4880379"/>
-            <a:ext cx="1" cy="849952"/>
-          </a:xfrm>
-          <a:prstGeom prst="line">
-            <a:avLst/>
-          </a:prstGeom>
-          <a:ln w="38100">
-            <a:headEnd type="none" w="med" len="med"/>
-            <a:tailEnd type="triangle" w="med" len="med"/>
-          </a:ln>
-        </p:spPr>
-        <p:style>
-          <a:lnRef idx="1">
-            <a:schemeClr val="accent1"/>
-          </a:lnRef>
-          <a:fillRef idx="0">
-            <a:schemeClr val="accent1"/>
-          </a:fillRef>
-          <a:effectRef idx="0">
-            <a:schemeClr val="accent1"/>
-          </a:effectRef>
-          <a:fontRef idx="minor">
-            <a:schemeClr val="tx1"/>
-          </a:fontRef>
-        </p:style>
-      </p:cxnSp>
-    </p:spTree>
-    <p:extLst>
-      <p:ext uri="{BB962C8B-B14F-4D97-AF65-F5344CB8AC3E}">
-        <p14:creationId xmlns:p14="http://schemas.microsoft.com/office/powerpoint/2010/main" val="2623176174"/>
-      </p:ext>
-    </p:extLst>
-  </p:cSld>
-  <p:clrMapOvr>
-    <a:masterClrMapping/>
-  </p:clrMapOvr>
-  <p:timing>
-    <p:tnLst>
-      <p:par>
-        <p:cTn id="1" dur="indefinite" restart="never" nodeType="tmRoot"/>
-      </p:par>
-    </p:tnLst>
-  </p:timing>
-</p:sld>
-</file>
-
-<file path=ppt/slides/slide9.xml><?xml version="1.0" encoding="utf-8"?>
-<p:sld xmlns:a="http://schemas.openxmlformats.org/drawingml/2006/main" xmlns:r="http://schemas.openxmlformats.org/officeDocument/2006/relationships" xmlns:p="http://schemas.openxmlformats.org/presentationml/2006/main">
-  <p:cSld>
-    <p:spTree>
-      <p:nvGrpSpPr>
-        <p:cNvPr id="1" name=""/>
-        <p:cNvGrpSpPr/>
-        <p:nvPr/>
-      </p:nvGrpSpPr>
-      <p:grpSpPr>
-        <a:xfrm>
-          <a:off x="0" y="0"/>
-          <a:ext cx="0" cy="0"/>
-          <a:chOff x="0" y="0"/>
-          <a:chExt cx="0" cy="0"/>
-        </a:xfrm>
-      </p:grpSpPr>
-      <p:sp>
-        <p:nvSpPr>
-          <p:cNvPr id="2" name="Title 1"/>
-          <p:cNvSpPr>
-            <a:spLocks noGrp="1"/>
-          </p:cNvSpPr>
-          <p:nvPr>
-            <p:ph type="title"/>
-          </p:nvPr>
-        </p:nvSpPr>
-        <p:spPr/>
-        <p:txBody>
-          <a:bodyPr/>
-          <a:lstStyle/>
-          <a:p>
-            <a:r>
-              <a:rPr lang="en-US" dirty="0"/>
-              <a:t>Creating Custom Lists using XML</a:t>
-            </a:r>
-          </a:p>
-        </p:txBody>
-      </p:sp>
-    </p:spTree>
-    <p:extLst>
-      <p:ext uri="{BB962C8B-B14F-4D97-AF65-F5344CB8AC3E}">
-        <p14:creationId xmlns:p14="http://schemas.microsoft.com/office/powerpoint/2010/main" val="385903215"/>
-      </p:ext>
-    </p:extLst>
-  </p:cSld>
-  <p:clrMapOvr>
-    <a:masterClrMapping/>
-  </p:clrMapOvr>
-  <p:transition>
-    <p:fade/>
-  </p:transition>
 </p:sld>
 </file>
 
@@ -24161,18 +27223,18 @@
 </file>
 
 <file path=customXml/item2.xml><?xml version="1.0" encoding="utf-8"?>
+<p:properties xmlns:p="http://schemas.microsoft.com/office/2006/metadata/properties" xmlns:xsi="http://www.w3.org/2001/XMLSchema-instance" xmlns:pc="http://schemas.microsoft.com/office/infopath/2007/PartnerControls">
+  <documentManagement/>
+</p:properties>
+</file>
+
+<file path=customXml/item3.xml><?xml version="1.0" encoding="utf-8"?>
 <?mso-contentType ?>
 <FormTemplates xmlns="http://schemas.microsoft.com/sharepoint/v3/contenttype/forms">
   <Display>DocumentLibraryForm</Display>
   <Edit>DocumentLibraryForm</Edit>
   <New>DocumentLibraryForm</New>
 </FormTemplates>
-</file>
-
-<file path=customXml/item3.xml><?xml version="1.0" encoding="utf-8"?>
-<p:properties xmlns:p="http://schemas.microsoft.com/office/2006/metadata/properties" xmlns:xsi="http://www.w3.org/2001/XMLSchema-instance" xmlns:pc="http://schemas.microsoft.com/office/infopath/2007/PartnerControls">
-  <documentManagement/>
-</p:properties>
 </file>
 
 <file path=customXml/itemProps1.xml><?xml version="1.0" encoding="utf-8"?>
@@ -24194,14 +27256,6 @@
 </file>
 
 <file path=customXml/itemProps2.xml><?xml version="1.0" encoding="utf-8"?>
-<ds:datastoreItem xmlns:ds="http://schemas.openxmlformats.org/officeDocument/2006/customXml" ds:itemID="{E1E0CE18-CA03-4891-9CD8-3448778E3D53}">
-  <ds:schemaRefs>
-    <ds:schemaRef ds:uri="http://schemas.microsoft.com/sharepoint/v3/contenttype/forms"/>
-  </ds:schemaRefs>
-</ds:datastoreItem>
-</file>
-
-<file path=customXml/itemProps3.xml><?xml version="1.0" encoding="utf-8"?>
 <ds:datastoreItem xmlns:ds="http://schemas.openxmlformats.org/officeDocument/2006/customXml" ds:itemID="{DA593625-DB14-4FB0-B5A9-3269FA9C120B}">
   <ds:schemaRefs>
     <ds:schemaRef ds:uri="http://schemas.microsoft.com/office/2006/documentManagement/types"/>
@@ -24215,4 +27269,12 @@
     <ds:schemaRef ds:uri="http://purl.org/dc/terms/"/>
   </ds:schemaRefs>
 </ds:datastoreItem>
+</file>
+
+<file path=customXml/itemProps3.xml><?xml version="1.0" encoding="utf-8"?>
+<ds:datastoreItem xmlns:ds="http://schemas.openxmlformats.org/officeDocument/2006/customXml" ds:itemID="{E1E0CE18-CA03-4891-9CD8-3448778E3D53}">
+  <ds:schemaRefs>
+    <ds:schemaRef ds:uri="http://schemas.microsoft.com/sharepoint/v3/contenttype/forms"/>
+  </ds:schemaRefs>
+</ds:datastoreItem>
 </file>